--- a/파이썬기초(PPT)/파이썬 기초 7강_튜플과 딕셔너리.pptx
+++ b/파이썬기초(PPT)/파이썬 기초 7강_튜플과 딕셔너리.pptx
@@ -120,6 +120,22 @@
       </a:defRPr>
     </a:lvl9pPr>
   </p:defaultTextStyle>
+  <p:extLst>
+    <p:ext uri="{EFAFB233-063F-42B5-8137-9DF3F51BA10A}">
+      <p15:sldGuideLst xmlns:p15="http://schemas.microsoft.com/office/powerpoint/2012/main">
+        <p15:guide id="1" orient="horz" pos="2160">
+          <p15:clr>
+            <a:srgbClr val="A4A3A4"/>
+          </p15:clr>
+        </p15:guide>
+        <p15:guide id="2" pos="2880">
+          <p15:clr>
+            <a:srgbClr val="A4A3A4"/>
+          </p15:clr>
+        </p15:guide>
+      </p15:sldGuideLst>
+    </p:ext>
+  </p:extLst>
 </p:presentation>
 </file>
 
@@ -161,10 +177,9 @@
           <a:lstStyle/>
           <a:p>
             <a:r>
-              <a:rPr lang="ko-KR" altLang="en-US" smtClean="0"/>
+              <a:rPr lang="ko-KR" altLang="en-US"/>
               <a:t>마스터 제목 스타일 편집</a:t>
             </a:r>
-            <a:endParaRPr lang="ko-KR" altLang="en-US"/>
           </a:p>
         </p:txBody>
       </p:sp>
@@ -280,10 +295,9 @@
           </a:lstStyle>
           <a:p>
             <a:r>
-              <a:rPr lang="ko-KR" altLang="en-US" smtClean="0"/>
+              <a:rPr lang="ko-KR" altLang="en-US"/>
               <a:t>마스터 부제목 스타일 편집</a:t>
             </a:r>
-            <a:endParaRPr lang="ko-KR" altLang="en-US"/>
           </a:p>
         </p:txBody>
       </p:sp>
@@ -304,7 +318,7 @@
           <a:p>
             <a:fld id="{FB30EDBD-1C2D-4C1E-B459-B60219FAB484}" type="datetimeFigureOut">
               <a:rPr lang="ko-KR" altLang="en-US" smtClean="0"/>
-              <a:t>2020-10-18</a:t>
+              <a:t>2020-10-31</a:t>
             </a:fld>
             <a:endParaRPr lang="ko-KR" altLang="en-US"/>
           </a:p>
@@ -393,10 +407,9 @@
           <a:lstStyle/>
           <a:p>
             <a:r>
-              <a:rPr lang="ko-KR" altLang="en-US" smtClean="0"/>
+              <a:rPr lang="ko-KR" altLang="en-US"/>
               <a:t>마스터 제목 스타일 편집</a:t>
             </a:r>
-            <a:endParaRPr lang="ko-KR" altLang="en-US"/>
           </a:p>
         </p:txBody>
       </p:sp>
@@ -417,38 +430,37 @@
           <a:p>
             <a:pPr lvl="0"/>
             <a:r>
-              <a:rPr lang="ko-KR" altLang="en-US" smtClean="0"/>
+              <a:rPr lang="ko-KR" altLang="en-US"/>
               <a:t>마스터 텍스트 스타일을 편집합니다</a:t>
             </a:r>
           </a:p>
           <a:p>
             <a:pPr lvl="1"/>
             <a:r>
-              <a:rPr lang="ko-KR" altLang="en-US" smtClean="0"/>
+              <a:rPr lang="ko-KR" altLang="en-US"/>
               <a:t>둘째 수준</a:t>
             </a:r>
           </a:p>
           <a:p>
             <a:pPr lvl="2"/>
             <a:r>
-              <a:rPr lang="ko-KR" altLang="en-US" smtClean="0"/>
+              <a:rPr lang="ko-KR" altLang="en-US"/>
               <a:t>셋째 수준</a:t>
             </a:r>
           </a:p>
           <a:p>
             <a:pPr lvl="3"/>
             <a:r>
-              <a:rPr lang="ko-KR" altLang="en-US" smtClean="0"/>
+              <a:rPr lang="ko-KR" altLang="en-US"/>
               <a:t>넷째 수준</a:t>
             </a:r>
           </a:p>
           <a:p>
             <a:pPr lvl="4"/>
             <a:r>
-              <a:rPr lang="ko-KR" altLang="en-US" smtClean="0"/>
+              <a:rPr lang="ko-KR" altLang="en-US"/>
               <a:t>다섯째 수준</a:t>
             </a:r>
-            <a:endParaRPr lang="ko-KR" altLang="en-US"/>
           </a:p>
         </p:txBody>
       </p:sp>
@@ -469,7 +481,7 @@
           <a:p>
             <a:fld id="{FB30EDBD-1C2D-4C1E-B459-B60219FAB484}" type="datetimeFigureOut">
               <a:rPr lang="ko-KR" altLang="en-US" smtClean="0"/>
-              <a:t>2020-10-18</a:t>
+              <a:t>2020-10-31</a:t>
             </a:fld>
             <a:endParaRPr lang="ko-KR" altLang="en-US"/>
           </a:p>
@@ -563,10 +575,9 @@
           <a:lstStyle/>
           <a:p>
             <a:r>
-              <a:rPr lang="ko-KR" altLang="en-US" smtClean="0"/>
+              <a:rPr lang="ko-KR" altLang="en-US"/>
               <a:t>마스터 제목 스타일 편집</a:t>
             </a:r>
-            <a:endParaRPr lang="ko-KR" altLang="en-US"/>
           </a:p>
         </p:txBody>
       </p:sp>
@@ -592,38 +603,37 @@
           <a:p>
             <a:pPr lvl="0"/>
             <a:r>
-              <a:rPr lang="ko-KR" altLang="en-US" smtClean="0"/>
+              <a:rPr lang="ko-KR" altLang="en-US"/>
               <a:t>마스터 텍스트 스타일을 편집합니다</a:t>
             </a:r>
           </a:p>
           <a:p>
             <a:pPr lvl="1"/>
             <a:r>
-              <a:rPr lang="ko-KR" altLang="en-US" smtClean="0"/>
+              <a:rPr lang="ko-KR" altLang="en-US"/>
               <a:t>둘째 수준</a:t>
             </a:r>
           </a:p>
           <a:p>
             <a:pPr lvl="2"/>
             <a:r>
-              <a:rPr lang="ko-KR" altLang="en-US" smtClean="0"/>
+              <a:rPr lang="ko-KR" altLang="en-US"/>
               <a:t>셋째 수준</a:t>
             </a:r>
           </a:p>
           <a:p>
             <a:pPr lvl="3"/>
             <a:r>
-              <a:rPr lang="ko-KR" altLang="en-US" smtClean="0"/>
+              <a:rPr lang="ko-KR" altLang="en-US"/>
               <a:t>넷째 수준</a:t>
             </a:r>
           </a:p>
           <a:p>
             <a:pPr lvl="4"/>
             <a:r>
-              <a:rPr lang="ko-KR" altLang="en-US" smtClean="0"/>
+              <a:rPr lang="ko-KR" altLang="en-US"/>
               <a:t>다섯째 수준</a:t>
             </a:r>
-            <a:endParaRPr lang="ko-KR" altLang="en-US"/>
           </a:p>
         </p:txBody>
       </p:sp>
@@ -644,7 +654,7 @@
           <a:p>
             <a:fld id="{FB30EDBD-1C2D-4C1E-B459-B60219FAB484}" type="datetimeFigureOut">
               <a:rPr lang="ko-KR" altLang="en-US" smtClean="0"/>
-              <a:t>2020-10-18</a:t>
+              <a:t>2020-10-31</a:t>
             </a:fld>
             <a:endParaRPr lang="ko-KR" altLang="en-US"/>
           </a:p>
@@ -733,10 +743,9 @@
           <a:lstStyle/>
           <a:p>
             <a:r>
-              <a:rPr lang="ko-KR" altLang="en-US" smtClean="0"/>
+              <a:rPr lang="ko-KR" altLang="en-US"/>
               <a:t>마스터 제목 스타일 편집</a:t>
             </a:r>
-            <a:endParaRPr lang="ko-KR" altLang="en-US"/>
           </a:p>
         </p:txBody>
       </p:sp>
@@ -757,38 +766,37 @@
           <a:p>
             <a:pPr lvl="0"/>
             <a:r>
-              <a:rPr lang="ko-KR" altLang="en-US" smtClean="0"/>
+              <a:rPr lang="ko-KR" altLang="en-US"/>
               <a:t>마스터 텍스트 스타일을 편집합니다</a:t>
             </a:r>
           </a:p>
           <a:p>
             <a:pPr lvl="1"/>
             <a:r>
-              <a:rPr lang="ko-KR" altLang="en-US" smtClean="0"/>
+              <a:rPr lang="ko-KR" altLang="en-US"/>
               <a:t>둘째 수준</a:t>
             </a:r>
           </a:p>
           <a:p>
             <a:pPr lvl="2"/>
             <a:r>
-              <a:rPr lang="ko-KR" altLang="en-US" smtClean="0"/>
+              <a:rPr lang="ko-KR" altLang="en-US"/>
               <a:t>셋째 수준</a:t>
             </a:r>
           </a:p>
           <a:p>
             <a:pPr lvl="3"/>
             <a:r>
-              <a:rPr lang="ko-KR" altLang="en-US" smtClean="0"/>
+              <a:rPr lang="ko-KR" altLang="en-US"/>
               <a:t>넷째 수준</a:t>
             </a:r>
           </a:p>
           <a:p>
             <a:pPr lvl="4"/>
             <a:r>
-              <a:rPr lang="ko-KR" altLang="en-US" smtClean="0"/>
+              <a:rPr lang="ko-KR" altLang="en-US"/>
               <a:t>다섯째 수준</a:t>
             </a:r>
-            <a:endParaRPr lang="ko-KR" altLang="en-US"/>
           </a:p>
         </p:txBody>
       </p:sp>
@@ -809,7 +817,7 @@
           <a:p>
             <a:fld id="{FB30EDBD-1C2D-4C1E-B459-B60219FAB484}" type="datetimeFigureOut">
               <a:rPr lang="ko-KR" altLang="en-US" smtClean="0"/>
-              <a:t>2020-10-18</a:t>
+              <a:t>2020-10-31</a:t>
             </a:fld>
             <a:endParaRPr lang="ko-KR" altLang="en-US"/>
           </a:p>
@@ -907,10 +915,9 @@
           </a:lstStyle>
           <a:p>
             <a:r>
-              <a:rPr lang="ko-KR" altLang="en-US" smtClean="0"/>
+              <a:rPr lang="ko-KR" altLang="en-US"/>
               <a:t>마스터 제목 스타일 편집</a:t>
             </a:r>
-            <a:endParaRPr lang="ko-KR" altLang="en-US"/>
           </a:p>
         </p:txBody>
       </p:sp>
@@ -1027,7 +1034,7 @@
           <a:p>
             <a:pPr lvl="0"/>
             <a:r>
-              <a:rPr lang="ko-KR" altLang="en-US" smtClean="0"/>
+              <a:rPr lang="ko-KR" altLang="en-US"/>
               <a:t>마스터 텍스트 스타일을 편집합니다</a:t>
             </a:r>
           </a:p>
@@ -1050,7 +1057,7 @@
           <a:p>
             <a:fld id="{FB30EDBD-1C2D-4C1E-B459-B60219FAB484}" type="datetimeFigureOut">
               <a:rPr lang="ko-KR" altLang="en-US" smtClean="0"/>
-              <a:t>2020-10-18</a:t>
+              <a:t>2020-10-31</a:t>
             </a:fld>
             <a:endParaRPr lang="ko-KR" altLang="en-US"/>
           </a:p>
@@ -1139,10 +1146,9 @@
           <a:lstStyle/>
           <a:p>
             <a:r>
-              <a:rPr lang="ko-KR" altLang="en-US" smtClean="0"/>
+              <a:rPr lang="ko-KR" altLang="en-US"/>
               <a:t>마스터 제목 스타일 편집</a:t>
             </a:r>
-            <a:endParaRPr lang="ko-KR" altLang="en-US"/>
           </a:p>
         </p:txBody>
       </p:sp>
@@ -1196,38 +1202,37 @@
           <a:p>
             <a:pPr lvl="0"/>
             <a:r>
-              <a:rPr lang="ko-KR" altLang="en-US" smtClean="0"/>
+              <a:rPr lang="ko-KR" altLang="en-US"/>
               <a:t>마스터 텍스트 스타일을 편집합니다</a:t>
             </a:r>
           </a:p>
           <a:p>
             <a:pPr lvl="1"/>
             <a:r>
-              <a:rPr lang="ko-KR" altLang="en-US" smtClean="0"/>
+              <a:rPr lang="ko-KR" altLang="en-US"/>
               <a:t>둘째 수준</a:t>
             </a:r>
           </a:p>
           <a:p>
             <a:pPr lvl="2"/>
             <a:r>
-              <a:rPr lang="ko-KR" altLang="en-US" smtClean="0"/>
+              <a:rPr lang="ko-KR" altLang="en-US"/>
               <a:t>셋째 수준</a:t>
             </a:r>
           </a:p>
           <a:p>
             <a:pPr lvl="3"/>
             <a:r>
-              <a:rPr lang="ko-KR" altLang="en-US" smtClean="0"/>
+              <a:rPr lang="ko-KR" altLang="en-US"/>
               <a:t>넷째 수준</a:t>
             </a:r>
           </a:p>
           <a:p>
             <a:pPr lvl="4"/>
             <a:r>
-              <a:rPr lang="ko-KR" altLang="en-US" smtClean="0"/>
+              <a:rPr lang="ko-KR" altLang="en-US"/>
               <a:t>다섯째 수준</a:t>
             </a:r>
-            <a:endParaRPr lang="ko-KR" altLang="en-US"/>
           </a:p>
         </p:txBody>
       </p:sp>
@@ -1281,38 +1286,37 @@
           <a:p>
             <a:pPr lvl="0"/>
             <a:r>
-              <a:rPr lang="ko-KR" altLang="en-US" smtClean="0"/>
+              <a:rPr lang="ko-KR" altLang="en-US"/>
               <a:t>마스터 텍스트 스타일을 편집합니다</a:t>
             </a:r>
           </a:p>
           <a:p>
             <a:pPr lvl="1"/>
             <a:r>
-              <a:rPr lang="ko-KR" altLang="en-US" smtClean="0"/>
+              <a:rPr lang="ko-KR" altLang="en-US"/>
               <a:t>둘째 수준</a:t>
             </a:r>
           </a:p>
           <a:p>
             <a:pPr lvl="2"/>
             <a:r>
-              <a:rPr lang="ko-KR" altLang="en-US" smtClean="0"/>
+              <a:rPr lang="ko-KR" altLang="en-US"/>
               <a:t>셋째 수준</a:t>
             </a:r>
           </a:p>
           <a:p>
             <a:pPr lvl="3"/>
             <a:r>
-              <a:rPr lang="ko-KR" altLang="en-US" smtClean="0"/>
+              <a:rPr lang="ko-KR" altLang="en-US"/>
               <a:t>넷째 수준</a:t>
             </a:r>
           </a:p>
           <a:p>
             <a:pPr lvl="4"/>
             <a:r>
-              <a:rPr lang="ko-KR" altLang="en-US" smtClean="0"/>
+              <a:rPr lang="ko-KR" altLang="en-US"/>
               <a:t>다섯째 수준</a:t>
             </a:r>
-            <a:endParaRPr lang="ko-KR" altLang="en-US"/>
           </a:p>
         </p:txBody>
       </p:sp>
@@ -1333,7 +1337,7 @@
           <a:p>
             <a:fld id="{FB30EDBD-1C2D-4C1E-B459-B60219FAB484}" type="datetimeFigureOut">
               <a:rPr lang="ko-KR" altLang="en-US" smtClean="0"/>
-              <a:t>2020-10-18</a:t>
+              <a:t>2020-10-31</a:t>
             </a:fld>
             <a:endParaRPr lang="ko-KR" altLang="en-US"/>
           </a:p>
@@ -1426,10 +1430,9 @@
           </a:lstStyle>
           <a:p>
             <a:r>
-              <a:rPr lang="ko-KR" altLang="en-US" smtClean="0"/>
+              <a:rPr lang="ko-KR" altLang="en-US"/>
               <a:t>마스터 제목 스타일 편집</a:t>
             </a:r>
-            <a:endParaRPr lang="ko-KR" altLang="en-US"/>
           </a:p>
         </p:txBody>
       </p:sp>
@@ -1492,7 +1495,7 @@
           <a:p>
             <a:pPr lvl="0"/>
             <a:r>
-              <a:rPr lang="ko-KR" altLang="en-US" smtClean="0"/>
+              <a:rPr lang="ko-KR" altLang="en-US"/>
               <a:t>마스터 텍스트 스타일을 편집합니다</a:t>
             </a:r>
           </a:p>
@@ -1548,38 +1551,37 @@
           <a:p>
             <a:pPr lvl="0"/>
             <a:r>
-              <a:rPr lang="ko-KR" altLang="en-US" smtClean="0"/>
+              <a:rPr lang="ko-KR" altLang="en-US"/>
               <a:t>마스터 텍스트 스타일을 편집합니다</a:t>
             </a:r>
           </a:p>
           <a:p>
             <a:pPr lvl="1"/>
             <a:r>
-              <a:rPr lang="ko-KR" altLang="en-US" smtClean="0"/>
+              <a:rPr lang="ko-KR" altLang="en-US"/>
               <a:t>둘째 수준</a:t>
             </a:r>
           </a:p>
           <a:p>
             <a:pPr lvl="2"/>
             <a:r>
-              <a:rPr lang="ko-KR" altLang="en-US" smtClean="0"/>
+              <a:rPr lang="ko-KR" altLang="en-US"/>
               <a:t>셋째 수준</a:t>
             </a:r>
           </a:p>
           <a:p>
             <a:pPr lvl="3"/>
             <a:r>
-              <a:rPr lang="ko-KR" altLang="en-US" smtClean="0"/>
+              <a:rPr lang="ko-KR" altLang="en-US"/>
               <a:t>넷째 수준</a:t>
             </a:r>
           </a:p>
           <a:p>
             <a:pPr lvl="4"/>
             <a:r>
-              <a:rPr lang="ko-KR" altLang="en-US" smtClean="0"/>
+              <a:rPr lang="ko-KR" altLang="en-US"/>
               <a:t>다섯째 수준</a:t>
             </a:r>
-            <a:endParaRPr lang="ko-KR" altLang="en-US"/>
           </a:p>
         </p:txBody>
       </p:sp>
@@ -1642,7 +1644,7 @@
           <a:p>
             <a:pPr lvl="0"/>
             <a:r>
-              <a:rPr lang="ko-KR" altLang="en-US" smtClean="0"/>
+              <a:rPr lang="ko-KR" altLang="en-US"/>
               <a:t>마스터 텍스트 스타일을 편집합니다</a:t>
             </a:r>
           </a:p>
@@ -1698,38 +1700,37 @@
           <a:p>
             <a:pPr lvl="0"/>
             <a:r>
-              <a:rPr lang="ko-KR" altLang="en-US" smtClean="0"/>
+              <a:rPr lang="ko-KR" altLang="en-US"/>
               <a:t>마스터 텍스트 스타일을 편집합니다</a:t>
             </a:r>
           </a:p>
           <a:p>
             <a:pPr lvl="1"/>
             <a:r>
-              <a:rPr lang="ko-KR" altLang="en-US" smtClean="0"/>
+              <a:rPr lang="ko-KR" altLang="en-US"/>
               <a:t>둘째 수준</a:t>
             </a:r>
           </a:p>
           <a:p>
             <a:pPr lvl="2"/>
             <a:r>
-              <a:rPr lang="ko-KR" altLang="en-US" smtClean="0"/>
+              <a:rPr lang="ko-KR" altLang="en-US"/>
               <a:t>셋째 수준</a:t>
             </a:r>
           </a:p>
           <a:p>
             <a:pPr lvl="3"/>
             <a:r>
-              <a:rPr lang="ko-KR" altLang="en-US" smtClean="0"/>
+              <a:rPr lang="ko-KR" altLang="en-US"/>
               <a:t>넷째 수준</a:t>
             </a:r>
           </a:p>
           <a:p>
             <a:pPr lvl="4"/>
             <a:r>
-              <a:rPr lang="ko-KR" altLang="en-US" smtClean="0"/>
+              <a:rPr lang="ko-KR" altLang="en-US"/>
               <a:t>다섯째 수준</a:t>
             </a:r>
-            <a:endParaRPr lang="ko-KR" altLang="en-US"/>
           </a:p>
         </p:txBody>
       </p:sp>
@@ -1750,7 +1751,7 @@
           <a:p>
             <a:fld id="{FB30EDBD-1C2D-4C1E-B459-B60219FAB484}" type="datetimeFigureOut">
               <a:rPr lang="ko-KR" altLang="en-US" smtClean="0"/>
-              <a:t>2020-10-18</a:t>
+              <a:t>2020-10-31</a:t>
             </a:fld>
             <a:endParaRPr lang="ko-KR" altLang="en-US"/>
           </a:p>
@@ -1839,10 +1840,9 @@
           <a:lstStyle/>
           <a:p>
             <a:r>
-              <a:rPr lang="ko-KR" altLang="en-US" smtClean="0"/>
+              <a:rPr lang="ko-KR" altLang="en-US"/>
               <a:t>마스터 제목 스타일 편집</a:t>
             </a:r>
-            <a:endParaRPr lang="ko-KR" altLang="en-US"/>
           </a:p>
         </p:txBody>
       </p:sp>
@@ -1863,7 +1863,7 @@
           <a:p>
             <a:fld id="{FB30EDBD-1C2D-4C1E-B459-B60219FAB484}" type="datetimeFigureOut">
               <a:rPr lang="ko-KR" altLang="en-US" smtClean="0"/>
-              <a:t>2020-10-18</a:t>
+              <a:t>2020-10-31</a:t>
             </a:fld>
             <a:endParaRPr lang="ko-KR" altLang="en-US"/>
           </a:p>
@@ -1953,7 +1953,7 @@
           <a:p>
             <a:fld id="{FB30EDBD-1C2D-4C1E-B459-B60219FAB484}" type="datetimeFigureOut">
               <a:rPr lang="ko-KR" altLang="en-US" smtClean="0"/>
-              <a:t>2020-10-18</a:t>
+              <a:t>2020-10-31</a:t>
             </a:fld>
             <a:endParaRPr lang="ko-KR" altLang="en-US"/>
           </a:p>
@@ -2051,10 +2051,9 @@
           </a:lstStyle>
           <a:p>
             <a:r>
-              <a:rPr lang="ko-KR" altLang="en-US" smtClean="0"/>
+              <a:rPr lang="ko-KR" altLang="en-US"/>
               <a:t>마스터 제목 스타일 편집</a:t>
             </a:r>
-            <a:endParaRPr lang="ko-KR" altLang="en-US"/>
           </a:p>
         </p:txBody>
       </p:sp>
@@ -2108,38 +2107,37 @@
           <a:p>
             <a:pPr lvl="0"/>
             <a:r>
-              <a:rPr lang="ko-KR" altLang="en-US" smtClean="0"/>
+              <a:rPr lang="ko-KR" altLang="en-US"/>
               <a:t>마스터 텍스트 스타일을 편집합니다</a:t>
             </a:r>
           </a:p>
           <a:p>
             <a:pPr lvl="1"/>
             <a:r>
-              <a:rPr lang="ko-KR" altLang="en-US" smtClean="0"/>
+              <a:rPr lang="ko-KR" altLang="en-US"/>
               <a:t>둘째 수준</a:t>
             </a:r>
           </a:p>
           <a:p>
             <a:pPr lvl="2"/>
             <a:r>
-              <a:rPr lang="ko-KR" altLang="en-US" smtClean="0"/>
+              <a:rPr lang="ko-KR" altLang="en-US"/>
               <a:t>셋째 수준</a:t>
             </a:r>
           </a:p>
           <a:p>
             <a:pPr lvl="3"/>
             <a:r>
-              <a:rPr lang="ko-KR" altLang="en-US" smtClean="0"/>
+              <a:rPr lang="ko-KR" altLang="en-US"/>
               <a:t>넷째 수준</a:t>
             </a:r>
           </a:p>
           <a:p>
             <a:pPr lvl="4"/>
             <a:r>
-              <a:rPr lang="ko-KR" altLang="en-US" smtClean="0"/>
+              <a:rPr lang="ko-KR" altLang="en-US"/>
               <a:t>다섯째 수준</a:t>
             </a:r>
-            <a:endParaRPr lang="ko-KR" altLang="en-US"/>
           </a:p>
         </p:txBody>
       </p:sp>
@@ -2202,7 +2200,7 @@
           <a:p>
             <a:pPr lvl="0"/>
             <a:r>
-              <a:rPr lang="ko-KR" altLang="en-US" smtClean="0"/>
+              <a:rPr lang="ko-KR" altLang="en-US"/>
               <a:t>마스터 텍스트 스타일을 편집합니다</a:t>
             </a:r>
           </a:p>
@@ -2225,7 +2223,7 @@
           <a:p>
             <a:fld id="{FB30EDBD-1C2D-4C1E-B459-B60219FAB484}" type="datetimeFigureOut">
               <a:rPr lang="ko-KR" altLang="en-US" smtClean="0"/>
-              <a:t>2020-10-18</a:t>
+              <a:t>2020-10-31</a:t>
             </a:fld>
             <a:endParaRPr lang="ko-KR" altLang="en-US"/>
           </a:p>
@@ -2323,10 +2321,9 @@
           </a:lstStyle>
           <a:p>
             <a:r>
-              <a:rPr lang="ko-KR" altLang="en-US" smtClean="0"/>
+              <a:rPr lang="ko-KR" altLang="en-US"/>
               <a:t>마스터 제목 스타일 편집</a:t>
             </a:r>
-            <a:endParaRPr lang="ko-KR" altLang="en-US"/>
           </a:p>
         </p:txBody>
       </p:sp>
@@ -2450,7 +2447,7 @@
           <a:p>
             <a:pPr lvl="0"/>
             <a:r>
-              <a:rPr lang="ko-KR" altLang="en-US" smtClean="0"/>
+              <a:rPr lang="ko-KR" altLang="en-US"/>
               <a:t>마스터 텍스트 스타일을 편집합니다</a:t>
             </a:r>
           </a:p>
@@ -2473,7 +2470,7 @@
           <a:p>
             <a:fld id="{FB30EDBD-1C2D-4C1E-B459-B60219FAB484}" type="datetimeFigureOut">
               <a:rPr lang="ko-KR" altLang="en-US" smtClean="0"/>
-              <a:t>2020-10-18</a:t>
+              <a:t>2020-10-31</a:t>
             </a:fld>
             <a:endParaRPr lang="ko-KR" altLang="en-US"/>
           </a:p>
@@ -2577,10 +2574,9 @@
           <a:lstStyle/>
           <a:p>
             <a:r>
-              <a:rPr lang="ko-KR" altLang="en-US" smtClean="0"/>
+              <a:rPr lang="ko-KR" altLang="en-US"/>
               <a:t>마스터 제목 스타일 편집</a:t>
             </a:r>
-            <a:endParaRPr lang="ko-KR" altLang="en-US"/>
           </a:p>
         </p:txBody>
       </p:sp>
@@ -2611,38 +2607,37 @@
           <a:p>
             <a:pPr lvl="0"/>
             <a:r>
-              <a:rPr lang="ko-KR" altLang="en-US" smtClean="0"/>
+              <a:rPr lang="ko-KR" altLang="en-US"/>
               <a:t>마스터 텍스트 스타일을 편집합니다</a:t>
             </a:r>
           </a:p>
           <a:p>
             <a:pPr lvl="1"/>
             <a:r>
-              <a:rPr lang="ko-KR" altLang="en-US" smtClean="0"/>
+              <a:rPr lang="ko-KR" altLang="en-US"/>
               <a:t>둘째 수준</a:t>
             </a:r>
           </a:p>
           <a:p>
             <a:pPr lvl="2"/>
             <a:r>
-              <a:rPr lang="ko-KR" altLang="en-US" smtClean="0"/>
+              <a:rPr lang="ko-KR" altLang="en-US"/>
               <a:t>셋째 수준</a:t>
             </a:r>
           </a:p>
           <a:p>
             <a:pPr lvl="3"/>
             <a:r>
-              <a:rPr lang="ko-KR" altLang="en-US" smtClean="0"/>
+              <a:rPr lang="ko-KR" altLang="en-US"/>
               <a:t>넷째 수준</a:t>
             </a:r>
           </a:p>
           <a:p>
             <a:pPr lvl="4"/>
             <a:r>
-              <a:rPr lang="ko-KR" altLang="en-US" smtClean="0"/>
+              <a:rPr lang="ko-KR" altLang="en-US"/>
               <a:t>다섯째 수준</a:t>
             </a:r>
-            <a:endParaRPr lang="ko-KR" altLang="en-US"/>
           </a:p>
         </p:txBody>
       </p:sp>
@@ -2681,7 +2676,7 @@
           <a:p>
             <a:fld id="{FB30EDBD-1C2D-4C1E-B459-B60219FAB484}" type="datetimeFigureOut">
               <a:rPr lang="ko-KR" altLang="en-US" smtClean="0"/>
-              <a:t>2020-10-18</a:t>
+              <a:t>2020-10-31</a:t>
             </a:fld>
             <a:endParaRPr lang="ko-KR" altLang="en-US"/>
           </a:p>
@@ -3077,7 +3072,7 @@
           <a:lstStyle/>
           <a:p>
             <a:r>
-              <a:rPr lang="en-US" altLang="ko-KR" sz="2800" dirty="0" smtClean="0">
+              <a:rPr lang="en-US" altLang="ko-KR" sz="2800" dirty="0">
                 <a:solidFill>
                   <a:schemeClr val="bg1"/>
                 </a:solidFill>
@@ -3086,37 +3081,96 @@
               </a:rPr>
               <a:t>Python Language basic course</a:t>
             </a:r>
-            <a:r>
-              <a:rPr lang="en-US" altLang="ko-KR" sz="2800" dirty="0" smtClean="0">
+            <a:br>
+              <a:rPr lang="en-US" altLang="ko-KR" sz="2800" dirty="0">
                 <a:solidFill>
                   <a:schemeClr val="accent5"/>
                 </a:solidFill>
                 <a:latin typeface="배달의민족 주아" pitchFamily="18" charset="-127"/>
                 <a:ea typeface="배달의민족 주아" pitchFamily="18" charset="-127"/>
               </a:rPr>
-              <a:t/>
-            </a:r>
+            </a:br>
             <a:br>
-              <a:rPr lang="en-US" altLang="ko-KR" sz="2800" dirty="0" smtClean="0">
-                <a:solidFill>
-                  <a:schemeClr val="accent5"/>
+              <a:rPr lang="en-US" altLang="ko-KR" dirty="0">
+                <a:solidFill>
+                  <a:schemeClr val="bg1"/>
                 </a:solidFill>
                 <a:latin typeface="배달의민족 주아" pitchFamily="18" charset="-127"/>
                 <a:ea typeface="배달의민족 주아" pitchFamily="18" charset="-127"/>
               </a:rPr>
             </a:br>
             <a:r>
-              <a:rPr lang="en-US" altLang="ko-KR" dirty="0" smtClean="0">
+              <a:rPr lang="en-US" altLang="ko-KR" dirty="0">
                 <a:solidFill>
                   <a:schemeClr val="bg1"/>
                 </a:solidFill>
                 <a:latin typeface="배달의민족 주아" pitchFamily="18" charset="-127"/>
                 <a:ea typeface="배달의민족 주아" pitchFamily="18" charset="-127"/>
               </a:rPr>
-              <a:t/>
+              <a:t>     </a:t>
+            </a:r>
+            <a:r>
+              <a:rPr lang="ko-KR" altLang="en-US" dirty="0" err="1">
+                <a:solidFill>
+                  <a:schemeClr val="bg1"/>
+                </a:solidFill>
+                <a:latin typeface="배달의민족 주아" pitchFamily="18" charset="-127"/>
+                <a:ea typeface="배달의민족 주아" pitchFamily="18" charset="-127"/>
+              </a:rPr>
+              <a:t>스타트코딩</a:t>
+            </a:r>
+            <a:r>
+              <a:rPr lang="ko-KR" altLang="en-US" dirty="0">
+                <a:solidFill>
+                  <a:schemeClr val="bg1"/>
+                </a:solidFill>
+                <a:latin typeface="배달의민족 주아" pitchFamily="18" charset="-127"/>
+                <a:ea typeface="배달의민족 주아" pitchFamily="18" charset="-127"/>
+              </a:rPr>
+              <a:t> </a:t>
+            </a:r>
+            <a:r>
+              <a:rPr lang="ko-KR" altLang="en-US" dirty="0" err="1">
+                <a:solidFill>
+                  <a:schemeClr val="bg1"/>
+                </a:solidFill>
+                <a:latin typeface="배달의민족 주아" pitchFamily="18" charset="-127"/>
+                <a:ea typeface="배달의민족 주아" pitchFamily="18" charset="-127"/>
+              </a:rPr>
+              <a:t>파이썬</a:t>
+            </a:r>
+            <a:r>
+              <a:rPr lang="ko-KR" altLang="en-US" dirty="0">
+                <a:solidFill>
+                  <a:schemeClr val="bg1"/>
+                </a:solidFill>
+                <a:latin typeface="배달의민족 주아" pitchFamily="18" charset="-127"/>
+                <a:ea typeface="배달의민족 주아" pitchFamily="18" charset="-127"/>
+              </a:rPr>
+              <a:t> 입문 </a:t>
+            </a:r>
+            <a:r>
+              <a:rPr lang="en-US" altLang="ko-KR" dirty="0">
+                <a:solidFill>
+                  <a:schemeClr val="bg1"/>
+                </a:solidFill>
+                <a:latin typeface="배달의민족 주아" pitchFamily="18" charset="-127"/>
+                <a:ea typeface="배달의민족 주아" pitchFamily="18" charset="-127"/>
+              </a:rPr>
+              <a:t>7</a:t>
+            </a:r>
+            <a:r>
+              <a:rPr lang="ko-KR" altLang="en-US" dirty="0">
+                <a:solidFill>
+                  <a:schemeClr val="bg1"/>
+                </a:solidFill>
+                <a:latin typeface="배달의민족 주아" pitchFamily="18" charset="-127"/>
+                <a:ea typeface="배달의민족 주아" pitchFamily="18" charset="-127"/>
+              </a:rPr>
+              <a:t>강</a:t>
             </a:r>
             <a:br>
-              <a:rPr lang="en-US" altLang="ko-KR" dirty="0" smtClean="0">
+              <a:rPr lang="en-US" altLang="ko-KR" dirty="0">
                 <a:solidFill>
                   <a:schemeClr val="bg1"/>
                 </a:solidFill>
@@ -3125,96 +3179,7 @@
               </a:rPr>
             </a:br>
             <a:r>
-              <a:rPr lang="en-US" altLang="ko-KR" dirty="0" smtClean="0">
-                <a:solidFill>
-                  <a:schemeClr val="bg1"/>
-                </a:solidFill>
-                <a:latin typeface="배달의민족 주아" pitchFamily="18" charset="-127"/>
-                <a:ea typeface="배달의민족 주아" pitchFamily="18" charset="-127"/>
-              </a:rPr>
-              <a:t>     </a:t>
-            </a:r>
-            <a:r>
-              <a:rPr lang="ko-KR" altLang="en-US" dirty="0" err="1" smtClean="0">
-                <a:solidFill>
-                  <a:schemeClr val="bg1"/>
-                </a:solidFill>
-                <a:latin typeface="배달의민족 주아" pitchFamily="18" charset="-127"/>
-                <a:ea typeface="배달의민족 주아" pitchFamily="18" charset="-127"/>
-              </a:rPr>
-              <a:t>스타트코딩</a:t>
-            </a:r>
-            <a:r>
-              <a:rPr lang="ko-KR" altLang="en-US" dirty="0" smtClean="0">
-                <a:solidFill>
-                  <a:schemeClr val="bg1"/>
-                </a:solidFill>
-                <a:latin typeface="배달의민족 주아" pitchFamily="18" charset="-127"/>
-                <a:ea typeface="배달의민족 주아" pitchFamily="18" charset="-127"/>
-              </a:rPr>
-              <a:t> </a:t>
-            </a:r>
-            <a:r>
-              <a:rPr lang="ko-KR" altLang="en-US" dirty="0" err="1" smtClean="0">
-                <a:solidFill>
-                  <a:schemeClr val="bg1"/>
-                </a:solidFill>
-                <a:latin typeface="배달의민족 주아" pitchFamily="18" charset="-127"/>
-                <a:ea typeface="배달의민족 주아" pitchFamily="18" charset="-127"/>
-              </a:rPr>
-              <a:t>파이썬</a:t>
-            </a:r>
-            <a:r>
-              <a:rPr lang="ko-KR" altLang="en-US" dirty="0" smtClean="0">
-                <a:solidFill>
-                  <a:schemeClr val="bg1"/>
-                </a:solidFill>
-                <a:latin typeface="배달의민족 주아" pitchFamily="18" charset="-127"/>
-                <a:ea typeface="배달의민족 주아" pitchFamily="18" charset="-127"/>
-              </a:rPr>
-              <a:t> 입문 </a:t>
-            </a:r>
-            <a:r>
-              <a:rPr lang="en-US" altLang="ko-KR" dirty="0">
-                <a:solidFill>
-                  <a:schemeClr val="bg1"/>
-                </a:solidFill>
-                <a:latin typeface="배달의민족 주아" pitchFamily="18" charset="-127"/>
-                <a:ea typeface="배달의민족 주아" pitchFamily="18" charset="-127"/>
-              </a:rPr>
-              <a:t>7</a:t>
-            </a:r>
-            <a:r>
-              <a:rPr lang="ko-KR" altLang="en-US" dirty="0" smtClean="0">
-                <a:solidFill>
-                  <a:schemeClr val="bg1"/>
-                </a:solidFill>
-                <a:latin typeface="배달의민족 주아" pitchFamily="18" charset="-127"/>
-                <a:ea typeface="배달의민족 주아" pitchFamily="18" charset="-127"/>
-              </a:rPr>
-              <a:t>강</a:t>
-            </a:r>
-            <a:r>
-              <a:rPr lang="en-US" altLang="ko-KR" dirty="0">
-                <a:solidFill>
-                  <a:schemeClr val="bg1"/>
-                </a:solidFill>
-                <a:latin typeface="배달의민족 주아" pitchFamily="18" charset="-127"/>
-                <a:ea typeface="배달의민족 주아" pitchFamily="18" charset="-127"/>
-              </a:rPr>
-              <a:t/>
-            </a:r>
-            <a:br>
-              <a:rPr lang="en-US" altLang="ko-KR" dirty="0">
-                <a:solidFill>
-                  <a:schemeClr val="bg1"/>
-                </a:solidFill>
-                <a:latin typeface="배달의민족 주아" pitchFamily="18" charset="-127"/>
-                <a:ea typeface="배달의민족 주아" pitchFamily="18" charset="-127"/>
-              </a:rPr>
-            </a:br>
-            <a:r>
-              <a:rPr lang="ko-KR" altLang="en-US" err="1" smtClean="0">
+              <a:rPr lang="ko-KR" altLang="en-US" err="1">
                 <a:solidFill>
                   <a:srgbClr val="FDE035"/>
                 </a:solidFill>
@@ -3224,7 +3189,7 @@
               <a:t>튜플과</a:t>
             </a:r>
             <a:r>
-              <a:rPr lang="ko-KR" altLang="en-US" smtClean="0">
+              <a:rPr lang="ko-KR" altLang="en-US">
                 <a:solidFill>
                   <a:srgbClr val="FDE035"/>
                 </a:solidFill>
@@ -3239,78 +3204,6 @@
               </a:solidFill>
               <a:latin typeface="배달의민족 주아" pitchFamily="18" charset="-127"/>
               <a:ea typeface="배달의민족 주아" pitchFamily="18" charset="-127"/>
-            </a:endParaRPr>
-          </a:p>
-        </p:txBody>
-      </p:sp>
-      <p:sp>
-        <p:nvSpPr>
-          <p:cNvPr id="3" name="TextBox 2"/>
-          <p:cNvSpPr txBox="1"/>
-          <p:nvPr/>
-        </p:nvSpPr>
-        <p:spPr>
-          <a:xfrm>
-            <a:off x="6588224" y="6165304"/>
-            <a:ext cx="1838965" cy="369332"/>
-          </a:xfrm>
-          <a:prstGeom prst="rect">
-            <a:avLst/>
-          </a:prstGeom>
-          <a:noFill/>
-        </p:spPr>
-        <p:txBody>
-          <a:bodyPr wrap="none" rtlCol="0">
-            <a:spAutoFit/>
-          </a:bodyPr>
-          <a:lstStyle/>
-          <a:p>
-            <a:r>
-              <a:rPr lang="en-US" altLang="ko-KR" dirty="0" smtClean="0">
-                <a:solidFill>
-                  <a:srgbClr val="FDE035"/>
-                </a:solidFill>
-                <a:latin typeface="배달의민족 도현" pitchFamily="50" charset="-127"/>
-                <a:ea typeface="배달의민족 도현" pitchFamily="50" charset="-127"/>
-              </a:rPr>
-              <a:t>S</a:t>
-            </a:r>
-            <a:r>
-              <a:rPr lang="en-US" altLang="ko-KR" dirty="0" smtClean="0">
-                <a:solidFill>
-                  <a:schemeClr val="bg1"/>
-                </a:solidFill>
-                <a:latin typeface="배달의민족 도현" pitchFamily="50" charset="-127"/>
-                <a:ea typeface="배달의민족 도현" pitchFamily="50" charset="-127"/>
-              </a:rPr>
-              <a:t>TART</a:t>
-            </a:r>
-            <a:r>
-              <a:rPr lang="en-US" altLang="ko-KR" dirty="0" smtClean="0">
-                <a:solidFill>
-                  <a:srgbClr val="FDE035"/>
-                </a:solidFill>
-                <a:latin typeface="배달의민족 도현" pitchFamily="50" charset="-127"/>
-                <a:ea typeface="배달의민족 도현" pitchFamily="50" charset="-127"/>
-              </a:rPr>
-              <a:t>C</a:t>
-            </a:r>
-            <a:r>
-              <a:rPr lang="en-US" altLang="ko-KR" dirty="0" smtClean="0">
-                <a:solidFill>
-                  <a:schemeClr val="bg1"/>
-                </a:solidFill>
-                <a:latin typeface="배달의민족 도현" pitchFamily="50" charset="-127"/>
-                <a:ea typeface="배달의민족 도현" pitchFamily="50" charset="-127"/>
-              </a:rPr>
-              <a:t>ODING</a:t>
-            </a:r>
-            <a:endParaRPr lang="ko-KR" altLang="en-US" dirty="0">
-              <a:solidFill>
-                <a:schemeClr val="bg1"/>
-              </a:solidFill>
-              <a:latin typeface="배달의민족 도현" pitchFamily="50" charset="-127"/>
-              <a:ea typeface="배달의민족 도현" pitchFamily="50" charset="-127"/>
             </a:endParaRPr>
           </a:p>
         </p:txBody>
@@ -3356,6 +3249,94 @@
           </a:extLst>
         </p:spPr>
       </p:pic>
+      <p:sp>
+        <p:nvSpPr>
+          <p:cNvPr id="5" name="TextBox 4">
+            <a:extLst>
+              <a:ext uri="{FF2B5EF4-FFF2-40B4-BE49-F238E27FC236}">
+                <a16:creationId xmlns:a16="http://schemas.microsoft.com/office/drawing/2014/main" id="{7A9FD6DF-B52D-489E-B7CB-9DEF170C1521}"/>
+              </a:ext>
+            </a:extLst>
+          </p:cNvPr>
+          <p:cNvSpPr txBox="1"/>
+          <p:nvPr/>
+        </p:nvSpPr>
+        <p:spPr>
+          <a:xfrm>
+            <a:off x="1867391" y="6186790"/>
+            <a:ext cx="5440913" cy="338554"/>
+          </a:xfrm>
+          <a:prstGeom prst="rect">
+            <a:avLst/>
+          </a:prstGeom>
+          <a:noFill/>
+        </p:spPr>
+        <p:txBody>
+          <a:bodyPr wrap="none" rtlCol="0">
+            <a:spAutoFit/>
+          </a:bodyPr>
+          <a:lstStyle/>
+          <a:p>
+            <a:r>
+              <a:rPr lang="en-US" altLang="ko-KR" sz="1600" dirty="0">
+                <a:solidFill>
+                  <a:schemeClr val="bg1"/>
+                </a:solidFill>
+                <a:latin typeface="배달의민족 도현" pitchFamily="50" charset="-127"/>
+                <a:ea typeface="배달의민족 도현" pitchFamily="50" charset="-127"/>
+              </a:rPr>
+              <a:t>Copyright 2020. </a:t>
+            </a:r>
+            <a:r>
+              <a:rPr lang="en-US" altLang="ko-KR" sz="1600" dirty="0">
+                <a:solidFill>
+                  <a:srgbClr val="FDE035"/>
+                </a:solidFill>
+                <a:latin typeface="배달의민족 도현" pitchFamily="50" charset="-127"/>
+                <a:ea typeface="배달의민족 도현" pitchFamily="50" charset="-127"/>
+              </a:rPr>
+              <a:t>S</a:t>
+            </a:r>
+            <a:r>
+              <a:rPr lang="en-US" altLang="ko-KR" sz="1600" dirty="0">
+                <a:solidFill>
+                  <a:schemeClr val="bg1"/>
+                </a:solidFill>
+                <a:latin typeface="배달의민족 도현" pitchFamily="50" charset="-127"/>
+                <a:ea typeface="배달의민족 도현" pitchFamily="50" charset="-127"/>
+              </a:rPr>
+              <a:t>TART</a:t>
+            </a:r>
+            <a:r>
+              <a:rPr lang="en-US" altLang="ko-KR" sz="1600" dirty="0">
+                <a:solidFill>
+                  <a:srgbClr val="FDE035"/>
+                </a:solidFill>
+                <a:latin typeface="배달의민족 도현" pitchFamily="50" charset="-127"/>
+                <a:ea typeface="배달의민족 도현" pitchFamily="50" charset="-127"/>
+              </a:rPr>
+              <a:t>C</a:t>
+            </a:r>
+            <a:r>
+              <a:rPr lang="en-US" altLang="ko-KR" sz="1600" dirty="0">
+                <a:solidFill>
+                  <a:schemeClr val="bg1"/>
+                </a:solidFill>
+                <a:latin typeface="배달의민족 도현" pitchFamily="50" charset="-127"/>
+                <a:ea typeface="배달의민족 도현" pitchFamily="50" charset="-127"/>
+              </a:rPr>
+              <a:t>ODING All rights Reserved</a:t>
+            </a:r>
+            <a:endParaRPr lang="ko-KR" altLang="en-US" sz="1600" dirty="0">
+              <a:solidFill>
+                <a:schemeClr val="bg1"/>
+              </a:solidFill>
+              <a:latin typeface="배달의민족 도현" pitchFamily="50" charset="-127"/>
+              <a:ea typeface="배달의민족 도현" pitchFamily="50" charset="-127"/>
+            </a:endParaRPr>
+          </a:p>
+        </p:txBody>
+      </p:sp>
     </p:spTree>
     <p:extLst>
       <p:ext uri="{BB962C8B-B14F-4D97-AF65-F5344CB8AC3E}">
@@ -3366,13 +3347,6 @@
   <p:clrMapOvr>
     <a:masterClrMapping/>
   </p:clrMapOvr>
-  <p:timing>
-    <p:tnLst>
-      <p:par>
-        <p:cTn id="1" dur="indefinite" restart="never" nodeType="tmRoot"/>
-      </p:par>
-    </p:tnLst>
-  </p:timing>
 </p:sld>
 </file>
 
@@ -3414,23 +3388,19 @@
           <a:lstStyle/>
           <a:p>
             <a:r>
-              <a:rPr lang="ko-KR" altLang="en-US" dirty="0" err="1" smtClean="0">
+              <a:rPr lang="ko-KR" altLang="en-US" dirty="0" err="1">
                 <a:latin typeface="배달의민족 주아" pitchFamily="18" charset="-127"/>
                 <a:ea typeface="배달의민족 주아" pitchFamily="18" charset="-127"/>
               </a:rPr>
               <a:t>파이썬</a:t>
             </a:r>
             <a:r>
-              <a:rPr lang="ko-KR" altLang="en-US" dirty="0" smtClean="0">
+              <a:rPr lang="ko-KR" altLang="en-US" dirty="0">
                 <a:latin typeface="배달의민족 주아" pitchFamily="18" charset="-127"/>
                 <a:ea typeface="배달의민족 주아" pitchFamily="18" charset="-127"/>
               </a:rPr>
               <a:t> 특징</a:t>
             </a:r>
-            <a:endParaRPr lang="ko-KR" altLang="en-US" dirty="0">
-              <a:latin typeface="배달의민족 주아" pitchFamily="18" charset="-127"/>
-              <a:ea typeface="배달의민족 주아" pitchFamily="18" charset="-127"/>
-            </a:endParaRPr>
           </a:p>
         </p:txBody>
       </p:sp>
@@ -3457,7 +3427,7 @@
           <a:lstStyle/>
           <a:p>
             <a:r>
-              <a:rPr lang="en-US" altLang="ko-KR" dirty="0" smtClean="0">
+              <a:rPr lang="en-US" altLang="ko-KR" dirty="0">
                 <a:solidFill>
                   <a:schemeClr val="accent5"/>
                 </a:solidFill>
@@ -3467,14 +3437,14 @@
               <a:t>S</a:t>
             </a:r>
             <a:r>
-              <a:rPr lang="en-US" altLang="ko-KR" dirty="0" smtClean="0">
+              <a:rPr lang="en-US" altLang="ko-KR" dirty="0">
                 <a:latin typeface="배달의민족 도현" pitchFamily="50" charset="-127"/>
                 <a:ea typeface="배달의민족 도현" pitchFamily="50" charset="-127"/>
               </a:rPr>
               <a:t>TART</a:t>
             </a:r>
             <a:r>
-              <a:rPr lang="en-US" altLang="ko-KR" dirty="0" smtClean="0">
+              <a:rPr lang="en-US" altLang="ko-KR" dirty="0">
                 <a:solidFill>
                   <a:schemeClr val="accent5"/>
                 </a:solidFill>
@@ -3484,7 +3454,7 @@
               <a:t>C</a:t>
             </a:r>
             <a:r>
-              <a:rPr lang="en-US" altLang="ko-KR" dirty="0" smtClean="0">
+              <a:rPr lang="en-US" altLang="ko-KR" dirty="0">
                 <a:latin typeface="배달의민족 도현" pitchFamily="50" charset="-127"/>
                 <a:ea typeface="배달의민족 도현" pitchFamily="50" charset="-127"/>
               </a:rPr>
@@ -3519,32 +3489,25 @@
           <a:lstStyle/>
           <a:p>
             <a:r>
-              <a:rPr lang="en-US" altLang="ko-KR" dirty="0" smtClean="0">
+              <a:rPr lang="en-US" altLang="ko-KR" dirty="0">
                 <a:latin typeface="배달의민족 주아" pitchFamily="18" charset="-127"/>
                 <a:ea typeface="배달의민족 주아" pitchFamily="18" charset="-127"/>
               </a:rPr>
               <a:t>2. </a:t>
             </a:r>
             <a:r>
-              <a:rPr lang="ko-KR" altLang="en-US" dirty="0" err="1" smtClean="0">
+              <a:rPr lang="ko-KR" altLang="en-US" dirty="0" err="1">
                 <a:latin typeface="배달의민족 주아" pitchFamily="18" charset="-127"/>
                 <a:ea typeface="배달의민족 주아" pitchFamily="18" charset="-127"/>
               </a:rPr>
               <a:t>파이썬이란</a:t>
             </a:r>
             <a:r>
-              <a:rPr lang="ko-KR" altLang="en-US" dirty="0" smtClean="0">
-                <a:latin typeface="배달의민족 주아" pitchFamily="18" charset="-127"/>
-                <a:ea typeface="배달의민족 주아" pitchFamily="18" charset="-127"/>
-              </a:rPr>
-              <a:t> </a:t>
-            </a:r>
-            <a:r>
               <a:rPr lang="ko-KR" altLang="en-US" dirty="0">
                 <a:latin typeface="배달의민족 주아" pitchFamily="18" charset="-127"/>
                 <a:ea typeface="배달의민족 주아" pitchFamily="18" charset="-127"/>
               </a:rPr>
-              <a:t>무엇인가</a:t>
+              <a:t> 무엇인가</a:t>
             </a:r>
             <a:r>
               <a:rPr lang="en-US" altLang="ko-KR" dirty="0">
@@ -3582,7 +3545,7 @@
         </p:spPr>
         <p:txBody>
           <a:bodyPr vert="horz" lIns="91440" tIns="45720" rIns="91440" bIns="45720" rtlCol="0" anchor="ctr">
-            <a:normAutofit fontScale="85000" lnSpcReduction="20000"/>
+            <a:normAutofit fontScale="77500" lnSpcReduction="20000"/>
           </a:bodyPr>
           <a:lstStyle>
             <a:lvl1pPr algn="ctr" defTabSz="914400" rtl="0" eaLnBrk="1" latinLnBrk="1" hangingPunct="1">
@@ -3603,20 +3566,20 @@
           <a:p>
             <a:pPr algn="l"/>
             <a:r>
-              <a:rPr lang="en-US" altLang="ko-KR" dirty="0" smtClean="0">
+              <a:rPr lang="en-US" altLang="ko-KR" dirty="0">
                 <a:latin typeface="배달의민족 주아" pitchFamily="18" charset="-127"/>
                 <a:ea typeface="배달의민족 주아" pitchFamily="18" charset="-127"/>
               </a:rPr>
               <a:t>1. </a:t>
             </a:r>
             <a:r>
-              <a:rPr lang="ko-KR" altLang="en-US" dirty="0" smtClean="0">
+              <a:rPr lang="ko-KR" altLang="en-US" dirty="0">
                 <a:latin typeface="배달의민족 주아" pitchFamily="18" charset="-127"/>
                 <a:ea typeface="배달의민족 주아" pitchFamily="18" charset="-127"/>
               </a:rPr>
               <a:t>초보자가 배우기 쉽다</a:t>
             </a:r>
-            <a:endParaRPr lang="en-US" altLang="ko-KR" dirty="0" smtClean="0">
+            <a:endParaRPr lang="en-US" altLang="ko-KR" dirty="0">
               <a:latin typeface="배달의민족 주아" pitchFamily="18" charset="-127"/>
               <a:ea typeface="배달의민족 주아" pitchFamily="18" charset="-127"/>
             </a:endParaRPr>
@@ -3624,35 +3587,35 @@
           <a:p>
             <a:pPr algn="l"/>
             <a:r>
-              <a:rPr lang="en-US" altLang="ko-KR" dirty="0" smtClean="0">
+              <a:rPr lang="en-US" altLang="ko-KR" dirty="0">
                 <a:latin typeface="배달의민족 주아" pitchFamily="18" charset="-127"/>
                 <a:ea typeface="배달의민족 주아" pitchFamily="18" charset="-127"/>
               </a:rPr>
               <a:t>2. </a:t>
             </a:r>
             <a:r>
-              <a:rPr lang="ko-KR" altLang="en-US" dirty="0" smtClean="0">
+              <a:rPr lang="ko-KR" altLang="en-US" dirty="0">
                 <a:latin typeface="배달의민족 주아" pitchFamily="18" charset="-127"/>
                 <a:ea typeface="배달의민족 주아" pitchFamily="18" charset="-127"/>
               </a:rPr>
               <a:t>인기가 많다 </a:t>
             </a:r>
             <a:r>
-              <a:rPr lang="en-US" altLang="ko-KR" dirty="0" smtClean="0">
+              <a:rPr lang="en-US" altLang="ko-KR" dirty="0">
                 <a:latin typeface="배달의민족 주아" pitchFamily="18" charset="-127"/>
                 <a:ea typeface="배달의민족 주아" pitchFamily="18" charset="-127"/>
               </a:rPr>
               <a:t>(</a:t>
             </a:r>
             <a:r>
-              <a:rPr lang="ko-KR" altLang="en-US" dirty="0" smtClean="0">
+              <a:rPr lang="ko-KR" altLang="en-US" dirty="0">
                 <a:latin typeface="배달의민족 주아" pitchFamily="18" charset="-127"/>
                 <a:ea typeface="배달의민족 주아" pitchFamily="18" charset="-127"/>
               </a:rPr>
               <a:t>참고할 자료가 많다</a:t>
             </a:r>
             <a:r>
-              <a:rPr lang="en-US" altLang="ko-KR" dirty="0" smtClean="0">
+              <a:rPr lang="en-US" altLang="ko-KR" dirty="0">
                 <a:latin typeface="배달의민족 주아" pitchFamily="18" charset="-127"/>
                 <a:ea typeface="배달의민족 주아" pitchFamily="18" charset="-127"/>
               </a:rPr>
@@ -3662,23 +3625,19 @@
           <a:p>
             <a:pPr algn="l"/>
             <a:r>
-              <a:rPr lang="en-US" altLang="ko-KR" dirty="0" smtClean="0">
+              <a:rPr lang="en-US" altLang="ko-KR" dirty="0">
                 <a:latin typeface="배달의민족 주아" pitchFamily="18" charset="-127"/>
                 <a:ea typeface="배달의민족 주아" pitchFamily="18" charset="-127"/>
               </a:rPr>
               <a:t>3. </a:t>
             </a:r>
             <a:r>
-              <a:rPr lang="ko-KR" altLang="en-US" dirty="0" smtClean="0">
+              <a:rPr lang="ko-KR" altLang="en-US" dirty="0">
                 <a:latin typeface="배달의민족 주아" pitchFamily="18" charset="-127"/>
                 <a:ea typeface="배달의민족 주아" pitchFamily="18" charset="-127"/>
               </a:rPr>
               <a:t>다양한 분야에 활용 될 수 있다</a:t>
             </a:r>
-            <a:endParaRPr lang="ko-KR" altLang="en-US" dirty="0">
-              <a:latin typeface="배달의민족 주아" pitchFamily="18" charset="-127"/>
-              <a:ea typeface="배달의민족 주아" pitchFamily="18" charset="-127"/>
-            </a:endParaRPr>
           </a:p>
         </p:txBody>
       </p:sp>
@@ -3822,7 +3781,7 @@
           <a:p>
             <a:pPr algn="l"/>
             <a:r>
-              <a:rPr lang="en-US" altLang="ko-KR" sz="3200" dirty="0" smtClean="0">
+              <a:rPr lang="en-US" altLang="ko-KR" sz="3200" dirty="0">
                 <a:solidFill>
                   <a:schemeClr val="accent4"/>
                 </a:solidFill>
@@ -3831,103 +3790,6 @@
                 <a:cs typeface="Consolas" pitchFamily="49" charset="0"/>
               </a:rPr>
               <a:t>#include </a:t>
-            </a:r>
-            <a:r>
-              <a:rPr lang="en-US" altLang="ko-KR" sz="3200" dirty="0" smtClean="0">
-                <a:latin typeface="Consolas" pitchFamily="49" charset="0"/>
-                <a:ea typeface="배달의민족 주아" pitchFamily="18" charset="-127"/>
-                <a:cs typeface="Consolas" pitchFamily="49" charset="0"/>
-              </a:rPr>
-              <a:t>&lt;</a:t>
-            </a:r>
-            <a:r>
-              <a:rPr lang="en-US" altLang="ko-KR" sz="3200" dirty="0" err="1" smtClean="0">
-                <a:latin typeface="Consolas" pitchFamily="49" charset="0"/>
-                <a:ea typeface="배달의민족 주아" pitchFamily="18" charset="-127"/>
-                <a:cs typeface="Consolas" pitchFamily="49" charset="0"/>
-              </a:rPr>
-              <a:t>stdio.h</a:t>
-            </a:r>
-            <a:r>
-              <a:rPr lang="en-US" altLang="ko-KR" sz="3200" dirty="0" smtClean="0">
-                <a:latin typeface="Consolas" pitchFamily="49" charset="0"/>
-                <a:ea typeface="배달의민족 주아" pitchFamily="18" charset="-127"/>
-                <a:cs typeface="Consolas" pitchFamily="49" charset="0"/>
-              </a:rPr>
-              <a:t>&gt;</a:t>
-            </a:r>
-            <a:br>
-              <a:rPr lang="en-US" altLang="ko-KR" sz="3200" dirty="0" smtClean="0">
-                <a:latin typeface="Consolas" pitchFamily="49" charset="0"/>
-                <a:ea typeface="배달의민족 주아" pitchFamily="18" charset="-127"/>
-                <a:cs typeface="Consolas" pitchFamily="49" charset="0"/>
-              </a:rPr>
-            </a:br>
-            <a:r>
-              <a:rPr lang="en-US" altLang="ko-KR" sz="3200" dirty="0" err="1" smtClean="0">
-                <a:latin typeface="Consolas" pitchFamily="49" charset="0"/>
-                <a:ea typeface="배달의민족 주아" pitchFamily="18" charset="-127"/>
-                <a:cs typeface="Consolas" pitchFamily="49" charset="0"/>
-              </a:rPr>
-              <a:t>int</a:t>
-            </a:r>
-            <a:r>
-              <a:rPr lang="en-US" altLang="ko-KR" sz="3200" dirty="0" smtClean="0">
-                <a:latin typeface="Consolas" pitchFamily="49" charset="0"/>
-                <a:ea typeface="배달의민족 주아" pitchFamily="18" charset="-127"/>
-                <a:cs typeface="Consolas" pitchFamily="49" charset="0"/>
-              </a:rPr>
-              <a:t> main (void){</a:t>
-            </a:r>
-            <a:br>
-              <a:rPr lang="en-US" altLang="ko-KR" sz="3200" dirty="0" smtClean="0">
-                <a:latin typeface="Consolas" pitchFamily="49" charset="0"/>
-                <a:ea typeface="배달의민족 주아" pitchFamily="18" charset="-127"/>
-                <a:cs typeface="Consolas" pitchFamily="49" charset="0"/>
-              </a:rPr>
-            </a:br>
-            <a:r>
-              <a:rPr lang="en-US" altLang="ko-KR" sz="3200" dirty="0" smtClean="0">
-                <a:latin typeface="Consolas" pitchFamily="49" charset="0"/>
-                <a:ea typeface="배달의민족 주아" pitchFamily="18" charset="-127"/>
-                <a:cs typeface="Consolas" pitchFamily="49" charset="0"/>
-              </a:rPr>
-              <a:t>	</a:t>
-            </a:r>
-            <a:r>
-              <a:rPr lang="en-US" altLang="ko-KR" sz="3200" dirty="0" err="1" smtClean="0">
-                <a:latin typeface="Consolas" pitchFamily="49" charset="0"/>
-                <a:ea typeface="배달의민족 주아" pitchFamily="18" charset="-127"/>
-                <a:cs typeface="Consolas" pitchFamily="49" charset="0"/>
-              </a:rPr>
-              <a:t>printf</a:t>
-            </a:r>
-            <a:r>
-              <a:rPr lang="en-US" altLang="ko-KR" sz="3200" dirty="0" smtClean="0">
-                <a:latin typeface="Consolas" pitchFamily="49" charset="0"/>
-                <a:ea typeface="배달의민족 주아" pitchFamily="18" charset="-127"/>
-                <a:cs typeface="Consolas" pitchFamily="49" charset="0"/>
-              </a:rPr>
-              <a:t>( </a:t>
-            </a:r>
-            <a:r>
-              <a:rPr lang="en-US" altLang="ko-KR" sz="3200" dirty="0" smtClean="0">
-                <a:solidFill>
-                  <a:schemeClr val="accent6"/>
-                </a:solidFill>
-                <a:latin typeface="Consolas" pitchFamily="49" charset="0"/>
-                <a:ea typeface="배달의민족 주아" pitchFamily="18" charset="-127"/>
-                <a:cs typeface="Consolas" pitchFamily="49" charset="0"/>
-              </a:rPr>
-              <a:t>“hello” </a:t>
-            </a:r>
-            <a:r>
-              <a:rPr lang="en-US" altLang="ko-KR" sz="3200" dirty="0" smtClean="0">
-                <a:latin typeface="Consolas" pitchFamily="49" charset="0"/>
-                <a:ea typeface="배달의민족 주아" pitchFamily="18" charset="-127"/>
-                <a:cs typeface="Consolas" pitchFamily="49" charset="0"/>
-              </a:rPr>
-              <a:t>);</a:t>
             </a:r>
             <a:r>
               <a:rPr lang="en-US" altLang="ko-KR" sz="3200" dirty="0">
@@ -3935,7 +3797,23 @@
                 <a:ea typeface="배달의민족 주아" pitchFamily="18" charset="-127"/>
                 <a:cs typeface="Consolas" pitchFamily="49" charset="0"/>
               </a:rPr>
-              <a:t/>
+              <a:t>&lt;</a:t>
+            </a:r>
+            <a:r>
+              <a:rPr lang="en-US" altLang="ko-KR" sz="3200" dirty="0" err="1">
+                <a:latin typeface="Consolas" pitchFamily="49" charset="0"/>
+                <a:ea typeface="배달의민족 주아" pitchFamily="18" charset="-127"/>
+                <a:cs typeface="Consolas" pitchFamily="49" charset="0"/>
+              </a:rPr>
+              <a:t>stdio.h</a:t>
+            </a:r>
+            <a:r>
+              <a:rPr lang="en-US" altLang="ko-KR" sz="3200" dirty="0">
+                <a:latin typeface="Consolas" pitchFamily="49" charset="0"/>
+                <a:ea typeface="배달의민족 주아" pitchFamily="18" charset="-127"/>
+                <a:cs typeface="Consolas" pitchFamily="49" charset="0"/>
+              </a:rPr>
+              <a:t>&gt;</a:t>
             </a:r>
             <a:br>
               <a:rPr lang="en-US" altLang="ko-KR" sz="3200" dirty="0">
@@ -3945,15 +3823,88 @@
               </a:rPr>
             </a:br>
             <a:r>
-              <a:rPr lang="en-US" altLang="ko-KR" sz="3200" dirty="0" smtClean="0">
+              <a:rPr lang="en-US" altLang="ko-KR" sz="3200" dirty="0" err="1">
                 <a:latin typeface="Consolas" pitchFamily="49" charset="0"/>
                 <a:ea typeface="배달의민족 주아" pitchFamily="18" charset="-127"/>
                 <a:cs typeface="Consolas" pitchFamily="49" charset="0"/>
               </a:rPr>
+              <a:t>int</a:t>
+            </a:r>
+            <a:r>
+              <a:rPr lang="en-US" altLang="ko-KR" sz="3200" dirty="0">
+                <a:latin typeface="Consolas" pitchFamily="49" charset="0"/>
+                <a:ea typeface="배달의민족 주아" pitchFamily="18" charset="-127"/>
+                <a:cs typeface="Consolas" pitchFamily="49" charset="0"/>
+              </a:rPr>
+              <a:t> main (void){</a:t>
+            </a:r>
+            <a:br>
+              <a:rPr lang="en-US" altLang="ko-KR" sz="3200" dirty="0">
+                <a:latin typeface="Consolas" pitchFamily="49" charset="0"/>
+                <a:ea typeface="배달의민족 주아" pitchFamily="18" charset="-127"/>
+                <a:cs typeface="Consolas" pitchFamily="49" charset="0"/>
+              </a:rPr>
+            </a:br>
+            <a:r>
+              <a:rPr lang="en-US" altLang="ko-KR" sz="3200" dirty="0">
+                <a:latin typeface="Consolas" pitchFamily="49" charset="0"/>
+                <a:ea typeface="배달의민족 주아" pitchFamily="18" charset="-127"/>
+                <a:cs typeface="Consolas" pitchFamily="49" charset="0"/>
+              </a:rPr>
+              <a:t>	</a:t>
+            </a:r>
+            <a:r>
+              <a:rPr lang="en-US" altLang="ko-KR" sz="3200" dirty="0" err="1">
+                <a:latin typeface="Consolas" pitchFamily="49" charset="0"/>
+                <a:ea typeface="배달의민족 주아" pitchFamily="18" charset="-127"/>
+                <a:cs typeface="Consolas" pitchFamily="49" charset="0"/>
+              </a:rPr>
+              <a:t>printf</a:t>
+            </a:r>
+            <a:r>
+              <a:rPr lang="en-US" altLang="ko-KR" sz="3200" dirty="0">
+                <a:latin typeface="Consolas" pitchFamily="49" charset="0"/>
+                <a:ea typeface="배달의민족 주아" pitchFamily="18" charset="-127"/>
+                <a:cs typeface="Consolas" pitchFamily="49" charset="0"/>
+              </a:rPr>
+              <a:t>( </a:t>
+            </a:r>
+            <a:r>
+              <a:rPr lang="en-US" altLang="ko-KR" sz="3200" dirty="0">
+                <a:solidFill>
+                  <a:schemeClr val="accent6"/>
+                </a:solidFill>
+                <a:latin typeface="Consolas" pitchFamily="49" charset="0"/>
+                <a:ea typeface="배달의민족 주아" pitchFamily="18" charset="-127"/>
+                <a:cs typeface="Consolas" pitchFamily="49" charset="0"/>
+              </a:rPr>
+              <a:t>“hello” </a:t>
+            </a:r>
+            <a:r>
+              <a:rPr lang="en-US" altLang="ko-KR" sz="3200" dirty="0">
+                <a:latin typeface="Consolas" pitchFamily="49" charset="0"/>
+                <a:ea typeface="배달의민족 주아" pitchFamily="18" charset="-127"/>
+                <a:cs typeface="Consolas" pitchFamily="49" charset="0"/>
+              </a:rPr>
+              <a:t>);</a:t>
+            </a:r>
+            <a:br>
+              <a:rPr lang="en-US" altLang="ko-KR" sz="3200" dirty="0">
+                <a:latin typeface="Consolas" pitchFamily="49" charset="0"/>
+                <a:ea typeface="배달의민족 주아" pitchFamily="18" charset="-127"/>
+                <a:cs typeface="Consolas" pitchFamily="49" charset="0"/>
+              </a:rPr>
+            </a:br>
+            <a:r>
+              <a:rPr lang="en-US" altLang="ko-KR" sz="3200" dirty="0">
+                <a:latin typeface="Consolas" pitchFamily="49" charset="0"/>
+                <a:ea typeface="배달의민족 주아" pitchFamily="18" charset="-127"/>
+                <a:cs typeface="Consolas" pitchFamily="49" charset="0"/>
+              </a:rPr>
               <a:t>	return 0;</a:t>
             </a:r>
             <a:br>
-              <a:rPr lang="en-US" altLang="ko-KR" sz="3200" dirty="0" smtClean="0">
+              <a:rPr lang="en-US" altLang="ko-KR" sz="3200" dirty="0">
                 <a:latin typeface="Consolas" pitchFamily="49" charset="0"/>
                 <a:ea typeface="배달의민족 주아" pitchFamily="18" charset="-127"/>
                 <a:cs typeface="Consolas" pitchFamily="49" charset="0"/>
@@ -3998,7 +3949,7 @@
           <a:lstStyle/>
           <a:p>
             <a:r>
-              <a:rPr lang="en-US" altLang="ko-KR" dirty="0" smtClean="0">
+              <a:rPr lang="en-US" altLang="ko-KR" dirty="0">
                 <a:solidFill>
                   <a:schemeClr val="accent5"/>
                 </a:solidFill>
@@ -4008,14 +3959,14 @@
               <a:t>S</a:t>
             </a:r>
             <a:r>
-              <a:rPr lang="en-US" altLang="ko-KR" dirty="0" smtClean="0">
+              <a:rPr lang="en-US" altLang="ko-KR" dirty="0">
                 <a:latin typeface="배달의민족 도현" pitchFamily="50" charset="-127"/>
                 <a:ea typeface="배달의민족 도현" pitchFamily="50" charset="-127"/>
               </a:rPr>
               <a:t>TART</a:t>
             </a:r>
             <a:r>
-              <a:rPr lang="en-US" altLang="ko-KR" dirty="0" smtClean="0">
+              <a:rPr lang="en-US" altLang="ko-KR" dirty="0">
                 <a:solidFill>
                   <a:schemeClr val="accent5"/>
                 </a:solidFill>
@@ -4025,7 +3976,7 @@
               <a:t>C</a:t>
             </a:r>
             <a:r>
-              <a:rPr lang="en-US" altLang="ko-KR" dirty="0" smtClean="0">
+              <a:rPr lang="en-US" altLang="ko-KR" dirty="0">
                 <a:latin typeface="배달의민족 도현" pitchFamily="50" charset="-127"/>
                 <a:ea typeface="배달의민족 도현" pitchFamily="50" charset="-127"/>
               </a:rPr>
@@ -4060,32 +4011,25 @@
           <a:lstStyle/>
           <a:p>
             <a:r>
-              <a:rPr lang="en-US" altLang="ko-KR" dirty="0" smtClean="0">
+              <a:rPr lang="en-US" altLang="ko-KR" dirty="0">
                 <a:latin typeface="배달의민족 주아" pitchFamily="18" charset="-127"/>
                 <a:ea typeface="배달의민족 주아" pitchFamily="18" charset="-127"/>
               </a:rPr>
               <a:t>2. </a:t>
             </a:r>
             <a:r>
-              <a:rPr lang="ko-KR" altLang="en-US" dirty="0" err="1" smtClean="0">
+              <a:rPr lang="ko-KR" altLang="en-US" dirty="0" err="1">
                 <a:latin typeface="배달의민족 주아" pitchFamily="18" charset="-127"/>
                 <a:ea typeface="배달의민족 주아" pitchFamily="18" charset="-127"/>
               </a:rPr>
               <a:t>파이썬이란</a:t>
             </a:r>
             <a:r>
-              <a:rPr lang="ko-KR" altLang="en-US" dirty="0" smtClean="0">
-                <a:latin typeface="배달의민족 주아" pitchFamily="18" charset="-127"/>
-                <a:ea typeface="배달의민족 주아" pitchFamily="18" charset="-127"/>
-              </a:rPr>
-              <a:t> </a:t>
-            </a:r>
-            <a:r>
               <a:rPr lang="ko-KR" altLang="en-US" dirty="0">
                 <a:latin typeface="배달의민족 주아" pitchFamily="18" charset="-127"/>
                 <a:ea typeface="배달의민족 주아" pitchFamily="18" charset="-127"/>
               </a:rPr>
-              <a:t>무엇인가</a:t>
+              <a:t> 무엇인가</a:t>
             </a:r>
             <a:r>
               <a:rPr lang="en-US" altLang="ko-KR" dirty="0">
@@ -4185,7 +4129,7 @@
           <a:p>
             <a:pPr algn="l"/>
             <a:r>
-              <a:rPr lang="en-US" altLang="ko-KR" sz="3200" dirty="0" smtClean="0">
+              <a:rPr lang="en-US" altLang="ko-KR" sz="3200" dirty="0">
                 <a:latin typeface="Consolas" pitchFamily="49" charset="0"/>
                 <a:ea typeface="배달의민족 주아" pitchFamily="18" charset="-127"/>
                 <a:cs typeface="Consolas" pitchFamily="49" charset="0"/>
@@ -4504,7 +4448,7 @@
           <a:lstStyle/>
           <a:p>
             <a:r>
-              <a:rPr lang="en-US" altLang="ko-KR" dirty="0" smtClean="0">
+              <a:rPr lang="en-US" altLang="ko-KR" dirty="0">
                 <a:solidFill>
                   <a:schemeClr val="accent5"/>
                 </a:solidFill>
@@ -4514,14 +4458,14 @@
               <a:t>S</a:t>
             </a:r>
             <a:r>
-              <a:rPr lang="en-US" altLang="ko-KR" dirty="0" smtClean="0">
+              <a:rPr lang="en-US" altLang="ko-KR" dirty="0">
                 <a:latin typeface="배달의민족 도현" pitchFamily="50" charset="-127"/>
                 <a:ea typeface="배달의민족 도현" pitchFamily="50" charset="-127"/>
               </a:rPr>
               <a:t>TART</a:t>
             </a:r>
             <a:r>
-              <a:rPr lang="en-US" altLang="ko-KR" dirty="0" smtClean="0">
+              <a:rPr lang="en-US" altLang="ko-KR" dirty="0">
                 <a:solidFill>
                   <a:schemeClr val="accent5"/>
                 </a:solidFill>
@@ -4531,7 +4475,7 @@
               <a:t>C</a:t>
             </a:r>
             <a:r>
-              <a:rPr lang="en-US" altLang="ko-KR" dirty="0" smtClean="0">
+              <a:rPr lang="en-US" altLang="ko-KR" dirty="0">
                 <a:latin typeface="배달의민족 도현" pitchFamily="50" charset="-127"/>
                 <a:ea typeface="배달의민족 도현" pitchFamily="50" charset="-127"/>
               </a:rPr>
@@ -4566,32 +4510,25 @@
           <a:lstStyle/>
           <a:p>
             <a:r>
-              <a:rPr lang="en-US" altLang="ko-KR" dirty="0" smtClean="0">
+              <a:rPr lang="en-US" altLang="ko-KR" dirty="0">
                 <a:latin typeface="배달의민족 주아" pitchFamily="18" charset="-127"/>
                 <a:ea typeface="배달의민족 주아" pitchFamily="18" charset="-127"/>
               </a:rPr>
               <a:t>2. </a:t>
             </a:r>
             <a:r>
-              <a:rPr lang="ko-KR" altLang="en-US" dirty="0" err="1" smtClean="0">
+              <a:rPr lang="ko-KR" altLang="en-US" dirty="0" err="1">
                 <a:latin typeface="배달의민족 주아" pitchFamily="18" charset="-127"/>
                 <a:ea typeface="배달의민족 주아" pitchFamily="18" charset="-127"/>
               </a:rPr>
               <a:t>파이썬이란</a:t>
             </a:r>
             <a:r>
-              <a:rPr lang="ko-KR" altLang="en-US" dirty="0" smtClean="0">
-                <a:latin typeface="배달의민족 주아" pitchFamily="18" charset="-127"/>
-                <a:ea typeface="배달의민족 주아" pitchFamily="18" charset="-127"/>
-              </a:rPr>
-              <a:t> </a:t>
-            </a:r>
-            <a:r>
               <a:rPr lang="ko-KR" altLang="en-US" dirty="0">
                 <a:latin typeface="배달의민족 주아" pitchFamily="18" charset="-127"/>
                 <a:ea typeface="배달의민족 주아" pitchFamily="18" charset="-127"/>
               </a:rPr>
-              <a:t>무엇인가</a:t>
+              <a:t> 무엇인가</a:t>
             </a:r>
             <a:r>
               <a:rPr lang="en-US" altLang="ko-KR" dirty="0">
@@ -4684,13 +4621,6 @@
   <p:clrMapOvr>
     <a:masterClrMapping/>
   </p:clrMapOvr>
-  <p:timing>
-    <p:tnLst>
-      <p:par>
-        <p:cTn id="1" dur="indefinite" restart="never" nodeType="tmRoot"/>
-      </p:par>
-    </p:tnLst>
-  </p:timing>
 </p:sld>
 </file>
 
@@ -4734,7 +4664,7 @@
           <a:lstStyle/>
           <a:p>
             <a:r>
-              <a:rPr lang="en-US" altLang="ko-KR" dirty="0" smtClean="0">
+              <a:rPr lang="en-US" altLang="ko-KR" dirty="0">
                 <a:solidFill>
                   <a:schemeClr val="accent5"/>
                 </a:solidFill>
@@ -4744,14 +4674,14 @@
               <a:t>S</a:t>
             </a:r>
             <a:r>
-              <a:rPr lang="en-US" altLang="ko-KR" dirty="0" smtClean="0">
+              <a:rPr lang="en-US" altLang="ko-KR" dirty="0">
                 <a:latin typeface="배달의민족 도현" pitchFamily="50" charset="-127"/>
                 <a:ea typeface="배달의민족 도현" pitchFamily="50" charset="-127"/>
               </a:rPr>
               <a:t>TART</a:t>
             </a:r>
             <a:r>
-              <a:rPr lang="en-US" altLang="ko-KR" dirty="0" smtClean="0">
+              <a:rPr lang="en-US" altLang="ko-KR" dirty="0">
                 <a:solidFill>
                   <a:schemeClr val="accent5"/>
                 </a:solidFill>
@@ -4761,7 +4691,7 @@
               <a:t>C</a:t>
             </a:r>
             <a:r>
-              <a:rPr lang="en-US" altLang="ko-KR" dirty="0" smtClean="0">
+              <a:rPr lang="en-US" altLang="ko-KR" dirty="0">
                 <a:latin typeface="배달의민족 도현" pitchFamily="50" charset="-127"/>
                 <a:ea typeface="배달의민족 도현" pitchFamily="50" charset="-127"/>
               </a:rPr>
@@ -4796,32 +4726,25 @@
           <a:lstStyle/>
           <a:p>
             <a:r>
-              <a:rPr lang="en-US" altLang="ko-KR" dirty="0" smtClean="0">
+              <a:rPr lang="en-US" altLang="ko-KR" dirty="0">
                 <a:latin typeface="배달의민족 주아" pitchFamily="18" charset="-127"/>
                 <a:ea typeface="배달의민족 주아" pitchFamily="18" charset="-127"/>
               </a:rPr>
               <a:t>2. </a:t>
             </a:r>
             <a:r>
-              <a:rPr lang="ko-KR" altLang="en-US" dirty="0" err="1" smtClean="0">
+              <a:rPr lang="ko-KR" altLang="en-US" dirty="0" err="1">
                 <a:latin typeface="배달의민족 주아" pitchFamily="18" charset="-127"/>
                 <a:ea typeface="배달의민족 주아" pitchFamily="18" charset="-127"/>
               </a:rPr>
               <a:t>파이썬이란</a:t>
             </a:r>
             <a:r>
-              <a:rPr lang="ko-KR" altLang="en-US" dirty="0" smtClean="0">
-                <a:latin typeface="배달의민족 주아" pitchFamily="18" charset="-127"/>
-                <a:ea typeface="배달의민족 주아" pitchFamily="18" charset="-127"/>
-              </a:rPr>
-              <a:t> </a:t>
-            </a:r>
-            <a:r>
               <a:rPr lang="ko-KR" altLang="en-US" dirty="0">
                 <a:latin typeface="배달의민족 주아" pitchFamily="18" charset="-127"/>
                 <a:ea typeface="배달의민족 주아" pitchFamily="18" charset="-127"/>
               </a:rPr>
-              <a:t>무엇인가</a:t>
+              <a:t> 무엇인가</a:t>
             </a:r>
             <a:r>
               <a:rPr lang="en-US" altLang="ko-KR" dirty="0">
@@ -4902,23 +4825,19 @@
           <a:lstStyle/>
           <a:p>
             <a:r>
-              <a:rPr lang="ko-KR" altLang="en-US" dirty="0" err="1" smtClean="0">
+              <a:rPr lang="ko-KR" altLang="en-US" dirty="0" err="1">
                 <a:latin typeface="배달의민족 주아" pitchFamily="18" charset="-127"/>
                 <a:ea typeface="배달의민족 주아" pitchFamily="18" charset="-127"/>
               </a:rPr>
               <a:t>파이썬이</a:t>
             </a:r>
             <a:r>
-              <a:rPr lang="ko-KR" altLang="en-US" dirty="0" smtClean="0">
+              <a:rPr lang="ko-KR" altLang="en-US" dirty="0">
                 <a:latin typeface="배달의민족 주아" pitchFamily="18" charset="-127"/>
                 <a:ea typeface="배달의민족 주아" pitchFamily="18" charset="-127"/>
               </a:rPr>
               <a:t> 활용되는 곳 </a:t>
             </a:r>
-            <a:endParaRPr lang="ko-KR" altLang="en-US" dirty="0">
-              <a:latin typeface="배달의민족 주아" pitchFamily="18" charset="-127"/>
-              <a:ea typeface="배달의민족 주아" pitchFamily="18" charset="-127"/>
-            </a:endParaRPr>
           </a:p>
         </p:txBody>
       </p:sp>
@@ -5363,7 +5282,7 @@
           <a:lstStyle/>
           <a:p>
             <a:r>
-              <a:rPr lang="en-US" altLang="ko-KR" dirty="0" smtClean="0">
+              <a:rPr lang="en-US" altLang="ko-KR" dirty="0">
                 <a:solidFill>
                   <a:schemeClr val="accent5"/>
                 </a:solidFill>
@@ -5373,14 +5292,14 @@
               <a:t>S</a:t>
             </a:r>
             <a:r>
-              <a:rPr lang="en-US" altLang="ko-KR" dirty="0" smtClean="0">
+              <a:rPr lang="en-US" altLang="ko-KR" dirty="0">
                 <a:latin typeface="배달의민족 도현" pitchFamily="50" charset="-127"/>
                 <a:ea typeface="배달의민족 도현" pitchFamily="50" charset="-127"/>
               </a:rPr>
               <a:t>TART</a:t>
             </a:r>
             <a:r>
-              <a:rPr lang="en-US" altLang="ko-KR" dirty="0" smtClean="0">
+              <a:rPr lang="en-US" altLang="ko-KR" dirty="0">
                 <a:solidFill>
                   <a:schemeClr val="accent5"/>
                 </a:solidFill>
@@ -5390,7 +5309,7 @@
               <a:t>C</a:t>
             </a:r>
             <a:r>
-              <a:rPr lang="en-US" altLang="ko-KR" dirty="0" smtClean="0">
+              <a:rPr lang="en-US" altLang="ko-KR" dirty="0">
                 <a:latin typeface="배달의민족 도현" pitchFamily="50" charset="-127"/>
                 <a:ea typeface="배달의민족 도현" pitchFamily="50" charset="-127"/>
               </a:rPr>
@@ -5425,14 +5344,14 @@
           <a:lstStyle/>
           <a:p>
             <a:r>
-              <a:rPr lang="en-US" altLang="ko-KR" dirty="0" smtClean="0">
+              <a:rPr lang="en-US" altLang="ko-KR" dirty="0">
                 <a:latin typeface="배달의민족 주아" pitchFamily="18" charset="-127"/>
                 <a:ea typeface="배달의민족 주아" pitchFamily="18" charset="-127"/>
               </a:rPr>
               <a:t>3. </a:t>
             </a:r>
             <a:r>
-              <a:rPr lang="ko-KR" altLang="en-US" dirty="0" smtClean="0">
+              <a:rPr lang="ko-KR" altLang="en-US" dirty="0">
                 <a:latin typeface="배달의민족 주아" pitchFamily="18" charset="-127"/>
                 <a:ea typeface="배달의민족 주아" pitchFamily="18" charset="-127"/>
               </a:rPr>
@@ -5463,23 +5382,19 @@
           <a:lstStyle/>
           <a:p>
             <a:r>
-              <a:rPr lang="ko-KR" altLang="en-US" dirty="0" err="1" smtClean="0">
+              <a:rPr lang="ko-KR" altLang="en-US" dirty="0" err="1">
                 <a:latin typeface="배달의민족 주아" pitchFamily="18" charset="-127"/>
                 <a:ea typeface="배달의민족 주아" pitchFamily="18" charset="-127"/>
               </a:rPr>
               <a:t>파이썬</a:t>
             </a:r>
             <a:r>
-              <a:rPr lang="ko-KR" altLang="en-US" dirty="0" smtClean="0">
+              <a:rPr lang="ko-KR" altLang="en-US" dirty="0">
                 <a:latin typeface="배달의민족 주아" pitchFamily="18" charset="-127"/>
                 <a:ea typeface="배달의민족 주아" pitchFamily="18" charset="-127"/>
               </a:rPr>
               <a:t> 설치</a:t>
             </a:r>
-            <a:endParaRPr lang="ko-KR" altLang="en-US" dirty="0">
-              <a:latin typeface="배달의민족 주아" pitchFamily="18" charset="-127"/>
-              <a:ea typeface="배달의민족 주아" pitchFamily="18" charset="-127"/>
-            </a:endParaRPr>
           </a:p>
         </p:txBody>
       </p:sp>
@@ -5572,18 +5487,12 @@
               <a:rPr lang="en-US" altLang="ko-KR" dirty="0">
                 <a:hlinkClick r:id="rId3"/>
               </a:rPr>
-              <a:t>https://www.python.org/downloads</a:t>
-            </a:r>
-            <a:r>
-              <a:rPr lang="en-US" altLang="ko-KR" dirty="0" smtClean="0">
-                <a:hlinkClick r:id="rId3"/>
-              </a:rPr>
-              <a:t>/</a:t>
-            </a:r>
-            <a:endParaRPr lang="en-US" altLang="ko-KR" dirty="0" smtClean="0"/>
-          </a:p>
-          <a:p>
-            <a:endParaRPr lang="en-US" altLang="ko-KR" dirty="0" smtClean="0"/>
+              <a:t>https://www.python.org/downloads/</a:t>
+            </a:r>
+            <a:endParaRPr lang="en-US" altLang="ko-KR" dirty="0"/>
+          </a:p>
+          <a:p>
+            <a:endParaRPr lang="en-US" altLang="ko-KR" dirty="0"/>
           </a:p>
         </p:txBody>
       </p:sp>
@@ -5660,42 +5569,18 @@
                   <a:srgbClr val="FF0000"/>
                 </a:solidFill>
               </a:rPr>
-              <a:t>Add Python </a:t>
-            </a:r>
-            <a:r>
-              <a:rPr lang="en-US" altLang="ko-KR" dirty="0" smtClean="0">
+              <a:t>Add Python 3.9 to PATH </a:t>
+            </a:r>
+            <a:r>
+              <a:rPr lang="ko-KR" altLang="en-US" dirty="0">
                 <a:solidFill>
                   <a:srgbClr val="FF0000"/>
                 </a:solidFill>
               </a:rPr>
-              <a:t>3.9 </a:t>
-            </a:r>
-            <a:r>
-              <a:rPr lang="en-US" altLang="ko-KR" dirty="0">
-                <a:solidFill>
-                  <a:srgbClr val="FF0000"/>
-                </a:solidFill>
-              </a:rPr>
-              <a:t>to </a:t>
-            </a:r>
-            <a:r>
-              <a:rPr lang="en-US" altLang="ko-KR" dirty="0" smtClean="0">
-                <a:solidFill>
-                  <a:srgbClr val="FF0000"/>
-                </a:solidFill>
-              </a:rPr>
-              <a:t>PATH </a:t>
-            </a:r>
-            <a:r>
-              <a:rPr lang="ko-KR" altLang="en-US" dirty="0" smtClean="0">
-                <a:solidFill>
-                  <a:srgbClr val="FF0000"/>
-                </a:solidFill>
-              </a:rPr>
               <a:t>꼭 체크</a:t>
             </a:r>
             <a:r>
-              <a:rPr lang="en-US" altLang="ko-KR" dirty="0" smtClean="0">
+              <a:rPr lang="en-US" altLang="ko-KR" dirty="0">
                 <a:solidFill>
                   <a:srgbClr val="FF0000"/>
                 </a:solidFill>
@@ -5720,13 +5605,6 @@
   <p:clrMapOvr>
     <a:masterClrMapping/>
   </p:clrMapOvr>
-  <p:timing>
-    <p:tnLst>
-      <p:par>
-        <p:cTn id="1" dur="indefinite" restart="never" nodeType="tmRoot"/>
-      </p:par>
-    </p:tnLst>
-  </p:timing>
 </p:sld>
 </file>
 
@@ -5770,7 +5648,7 @@
           <a:lstStyle/>
           <a:p>
             <a:r>
-              <a:rPr lang="en-US" altLang="ko-KR" dirty="0" smtClean="0">
+              <a:rPr lang="en-US" altLang="ko-KR" dirty="0">
                 <a:solidFill>
                   <a:schemeClr val="accent5"/>
                 </a:solidFill>
@@ -5780,14 +5658,14 @@
               <a:t>S</a:t>
             </a:r>
             <a:r>
-              <a:rPr lang="en-US" altLang="ko-KR" dirty="0" smtClean="0">
+              <a:rPr lang="en-US" altLang="ko-KR" dirty="0">
                 <a:latin typeface="배달의민족 도현" pitchFamily="50" charset="-127"/>
                 <a:ea typeface="배달의민족 도현" pitchFamily="50" charset="-127"/>
               </a:rPr>
               <a:t>TART</a:t>
             </a:r>
             <a:r>
-              <a:rPr lang="en-US" altLang="ko-KR" dirty="0" smtClean="0">
+              <a:rPr lang="en-US" altLang="ko-KR" dirty="0">
                 <a:solidFill>
                   <a:schemeClr val="accent5"/>
                 </a:solidFill>
@@ -5797,7 +5675,7 @@
               <a:t>C</a:t>
             </a:r>
             <a:r>
-              <a:rPr lang="en-US" altLang="ko-KR" dirty="0" smtClean="0">
+              <a:rPr lang="en-US" altLang="ko-KR" dirty="0">
                 <a:latin typeface="배달의민족 도현" pitchFamily="50" charset="-127"/>
                 <a:ea typeface="배달의민족 도현" pitchFamily="50" charset="-127"/>
               </a:rPr>
@@ -5832,14 +5710,14 @@
           <a:lstStyle/>
           <a:p>
             <a:r>
-              <a:rPr lang="en-US" altLang="ko-KR" dirty="0" smtClean="0">
+              <a:rPr lang="en-US" altLang="ko-KR" dirty="0">
                 <a:latin typeface="배달의민족 주아" pitchFamily="18" charset="-127"/>
                 <a:ea typeface="배달의민족 주아" pitchFamily="18" charset="-127"/>
               </a:rPr>
               <a:t>3. </a:t>
             </a:r>
             <a:r>
-              <a:rPr lang="ko-KR" altLang="en-US" dirty="0" smtClean="0">
+              <a:rPr lang="ko-KR" altLang="en-US" dirty="0">
                 <a:latin typeface="배달의민족 주아" pitchFamily="18" charset="-127"/>
                 <a:ea typeface="배달의민족 주아" pitchFamily="18" charset="-127"/>
               </a:rPr>
@@ -5870,30 +5748,26 @@
           <a:lstStyle/>
           <a:p>
             <a:r>
-              <a:rPr lang="ko-KR" altLang="en-US" dirty="0" smtClean="0">
+              <a:rPr lang="ko-KR" altLang="en-US" dirty="0">
                 <a:latin typeface="배달의민족 주아" pitchFamily="18" charset="-127"/>
                 <a:ea typeface="배달의민족 주아" pitchFamily="18" charset="-127"/>
               </a:rPr>
               <a:t>에디터</a:t>
             </a:r>
             <a:r>
-              <a:rPr lang="en-US" altLang="ko-KR" dirty="0" smtClean="0">
+              <a:rPr lang="en-US" altLang="ko-KR" dirty="0">
                 <a:latin typeface="배달의민족 주아" pitchFamily="18" charset="-127"/>
                 <a:ea typeface="배달의민족 주아" pitchFamily="18" charset="-127"/>
               </a:rPr>
               <a:t>(Visual Studio Code)</a:t>
             </a:r>
             <a:r>
-              <a:rPr lang="ko-KR" altLang="en-US" dirty="0" smtClean="0">
+              <a:rPr lang="ko-KR" altLang="en-US" dirty="0">
                 <a:latin typeface="배달의민족 주아" pitchFamily="18" charset="-127"/>
                 <a:ea typeface="배달의민족 주아" pitchFamily="18" charset="-127"/>
               </a:rPr>
               <a:t> 설치</a:t>
             </a:r>
-            <a:endParaRPr lang="ko-KR" altLang="en-US" dirty="0">
-              <a:latin typeface="배달의민족 주아" pitchFamily="18" charset="-127"/>
-              <a:ea typeface="배달의민족 주아" pitchFamily="18" charset="-127"/>
-            </a:endParaRPr>
           </a:p>
         </p:txBody>
       </p:sp>
@@ -5919,15 +5793,15 @@
           <a:lstStyle/>
           <a:p>
             <a:r>
-              <a:rPr lang="en-US" altLang="ko-KR" dirty="0" smtClean="0">
+              <a:rPr lang="en-US" altLang="ko-KR" dirty="0">
                 <a:hlinkClick r:id="rId2"/>
               </a:rPr>
               <a:t>https://code.visualstudio.com/</a:t>
             </a:r>
-            <a:endParaRPr lang="en-US" altLang="ko-KR" dirty="0" smtClean="0"/>
-          </a:p>
-          <a:p>
-            <a:endParaRPr lang="en-US" altLang="ko-KR" dirty="0" smtClean="0"/>
+            <a:endParaRPr lang="en-US" altLang="ko-KR" dirty="0"/>
+          </a:p>
+          <a:p>
+            <a:endParaRPr lang="en-US" altLang="ko-KR" dirty="0"/>
           </a:p>
         </p:txBody>
       </p:sp>
@@ -6051,13 +5925,6 @@
   <p:clrMapOvr>
     <a:masterClrMapping/>
   </p:clrMapOvr>
-  <p:timing>
-    <p:tnLst>
-      <p:par>
-        <p:cTn id="1" dur="indefinite" restart="never" nodeType="tmRoot"/>
-      </p:par>
-    </p:tnLst>
-  </p:timing>
 </p:sld>
 </file>
 
@@ -6101,7 +5968,7 @@
           <a:lstStyle/>
           <a:p>
             <a:r>
-              <a:rPr lang="en-US" altLang="ko-KR" dirty="0" smtClean="0">
+              <a:rPr lang="en-US" altLang="ko-KR" dirty="0">
                 <a:solidFill>
                   <a:schemeClr val="accent5"/>
                 </a:solidFill>
@@ -6111,14 +5978,14 @@
               <a:t>S</a:t>
             </a:r>
             <a:r>
-              <a:rPr lang="en-US" altLang="ko-KR" dirty="0" smtClean="0">
+              <a:rPr lang="en-US" altLang="ko-KR" dirty="0">
                 <a:latin typeface="배달의민족 도현" pitchFamily="50" charset="-127"/>
                 <a:ea typeface="배달의민족 도현" pitchFamily="50" charset="-127"/>
               </a:rPr>
               <a:t>TART</a:t>
             </a:r>
             <a:r>
-              <a:rPr lang="en-US" altLang="ko-KR" dirty="0" smtClean="0">
+              <a:rPr lang="en-US" altLang="ko-KR" dirty="0">
                 <a:solidFill>
                   <a:schemeClr val="accent5"/>
                 </a:solidFill>
@@ -6128,7 +5995,7 @@
               <a:t>C</a:t>
             </a:r>
             <a:r>
-              <a:rPr lang="en-US" altLang="ko-KR" dirty="0" smtClean="0">
+              <a:rPr lang="en-US" altLang="ko-KR" dirty="0">
                 <a:latin typeface="배달의민족 도현" pitchFamily="50" charset="-127"/>
                 <a:ea typeface="배달의민족 도현" pitchFamily="50" charset="-127"/>
               </a:rPr>
@@ -6163,14 +6030,14 @@
           <a:lstStyle/>
           <a:p>
             <a:r>
-              <a:rPr lang="en-US" altLang="ko-KR" dirty="0" smtClean="0">
+              <a:rPr lang="en-US" altLang="ko-KR" dirty="0">
                 <a:latin typeface="배달의민족 주아" pitchFamily="18" charset="-127"/>
                 <a:ea typeface="배달의민족 주아" pitchFamily="18" charset="-127"/>
               </a:rPr>
               <a:t>3. </a:t>
             </a:r>
             <a:r>
-              <a:rPr lang="ko-KR" altLang="en-US" dirty="0" smtClean="0">
+              <a:rPr lang="ko-KR" altLang="en-US" dirty="0">
                 <a:latin typeface="배달의민족 주아" pitchFamily="18" charset="-127"/>
                 <a:ea typeface="배달의민족 주아" pitchFamily="18" charset="-127"/>
               </a:rPr>
@@ -6201,23 +6068,19 @@
           <a:lstStyle/>
           <a:p>
             <a:r>
-              <a:rPr lang="en-US" altLang="ko-KR" dirty="0" smtClean="0">
+              <a:rPr lang="en-US" altLang="ko-KR" dirty="0">
                 <a:latin typeface="배달의민족 주아" pitchFamily="18" charset="-127"/>
                 <a:ea typeface="배달의민족 주아" pitchFamily="18" charset="-127"/>
               </a:rPr>
               <a:t>Visual Studio Code </a:t>
             </a:r>
             <a:r>
-              <a:rPr lang="ko-KR" altLang="en-US" dirty="0" smtClean="0">
+              <a:rPr lang="ko-KR" altLang="en-US" dirty="0">
                 <a:latin typeface="배달의민족 주아" pitchFamily="18" charset="-127"/>
                 <a:ea typeface="배달의민족 주아" pitchFamily="18" charset="-127"/>
               </a:rPr>
               <a:t>사용법</a:t>
             </a:r>
-            <a:endParaRPr lang="ko-KR" altLang="en-US" dirty="0">
-              <a:latin typeface="배달의민족 주아" pitchFamily="18" charset="-127"/>
-              <a:ea typeface="배달의민족 주아" pitchFamily="18" charset="-127"/>
-            </a:endParaRPr>
           </a:p>
         </p:txBody>
       </p:sp>
@@ -6246,18 +6109,12 @@
               <a:rPr lang="en-US" altLang="ko-KR" dirty="0">
                 <a:hlinkClick r:id="rId2"/>
               </a:rPr>
-              <a:t>https://</a:t>
-            </a:r>
-            <a:r>
-              <a:rPr lang="en-US" altLang="ko-KR" dirty="0" smtClean="0">
-                <a:hlinkClick r:id="rId2"/>
-              </a:rPr>
-              <a:t>youtu.be/YWyfAH1RQD8</a:t>
-            </a:r>
-            <a:endParaRPr lang="en-US" altLang="ko-KR" dirty="0" smtClean="0"/>
-          </a:p>
-          <a:p>
-            <a:endParaRPr lang="en-US" altLang="ko-KR" dirty="0" smtClean="0"/>
+              <a:t>https://youtu.be/YWyfAH1RQD8</a:t>
+            </a:r>
+            <a:endParaRPr lang="en-US" altLang="ko-KR" dirty="0"/>
+          </a:p>
+          <a:p>
+            <a:endParaRPr lang="en-US" altLang="ko-KR" dirty="0"/>
           </a:p>
         </p:txBody>
       </p:sp>
@@ -6300,25 +6157,18 @@
           </a:lstStyle>
           <a:p>
             <a:r>
-              <a:rPr lang="ko-KR" altLang="en-US" sz="4000" dirty="0" err="1" smtClean="0">
+              <a:rPr lang="ko-KR" altLang="en-US" sz="4000" dirty="0" err="1">
                 <a:latin typeface="배달의민족 주아" pitchFamily="18" charset="-127"/>
                 <a:ea typeface="배달의민족 주아" pitchFamily="18" charset="-127"/>
               </a:rPr>
               <a:t>유튜브</a:t>
             </a:r>
             <a:r>
-              <a:rPr lang="ko-KR" altLang="en-US" sz="4000" dirty="0" smtClean="0">
-                <a:latin typeface="배달의민족 주아" pitchFamily="18" charset="-127"/>
-                <a:ea typeface="배달의민족 주아" pitchFamily="18" charset="-127"/>
-              </a:rPr>
-              <a:t> 영상 참</a:t>
-            </a:r>
-            <a:r>
               <a:rPr lang="ko-KR" altLang="en-US" sz="4000" dirty="0">
                 <a:latin typeface="배달의민족 주아" pitchFamily="18" charset="-127"/>
                 <a:ea typeface="배달의민족 주아" pitchFamily="18" charset="-127"/>
               </a:rPr>
-              <a:t>고</a:t>
+              <a:t> 영상 참고</a:t>
             </a:r>
           </a:p>
         </p:txBody>
@@ -6333,13 +6183,6 @@
   <p:clrMapOvr>
     <a:masterClrMapping/>
   </p:clrMapOvr>
-  <p:timing>
-    <p:tnLst>
-      <p:par>
-        <p:cTn id="1" dur="indefinite" restart="never" nodeType="tmRoot"/>
-      </p:par>
-    </p:tnLst>
-  </p:timing>
 </p:sld>
 </file>
 
@@ -6399,16 +6242,12 @@
           </a:lstStyle>
           <a:p>
             <a:r>
-              <a:rPr lang="ko-KR" altLang="en-US" dirty="0" smtClean="0">
+              <a:rPr lang="ko-KR" altLang="en-US" dirty="0">
                 <a:latin typeface="배달의민족 주아" pitchFamily="18" charset="-127"/>
                 <a:ea typeface="배달의민족 주아" pitchFamily="18" charset="-127"/>
               </a:rPr>
               <a:t>감사합니다</a:t>
             </a:r>
-            <a:endParaRPr lang="ko-KR" altLang="en-US" dirty="0">
-              <a:latin typeface="배달의민족 주아" pitchFamily="18" charset="-127"/>
-              <a:ea typeface="배달의민족 주아" pitchFamily="18" charset="-127"/>
-            </a:endParaRPr>
           </a:p>
         </p:txBody>
       </p:sp>
@@ -6435,7 +6274,7 @@
           <a:lstStyle/>
           <a:p>
             <a:r>
-              <a:rPr lang="en-US" altLang="ko-KR" dirty="0" smtClean="0">
+              <a:rPr lang="en-US" altLang="ko-KR" dirty="0">
                 <a:solidFill>
                   <a:schemeClr val="accent5"/>
                 </a:solidFill>
@@ -6445,14 +6284,14 @@
               <a:t>S</a:t>
             </a:r>
             <a:r>
-              <a:rPr lang="en-US" altLang="ko-KR" dirty="0" smtClean="0">
+              <a:rPr lang="en-US" altLang="ko-KR" dirty="0">
                 <a:latin typeface="배달의민족 도현" pitchFamily="50" charset="-127"/>
                 <a:ea typeface="배달의민족 도현" pitchFamily="50" charset="-127"/>
               </a:rPr>
               <a:t>TART</a:t>
             </a:r>
             <a:r>
-              <a:rPr lang="en-US" altLang="ko-KR" dirty="0" smtClean="0">
+              <a:rPr lang="en-US" altLang="ko-KR" dirty="0">
                 <a:solidFill>
                   <a:schemeClr val="accent5"/>
                 </a:solidFill>
@@ -6462,7 +6301,7 @@
               <a:t>C</a:t>
             </a:r>
             <a:r>
-              <a:rPr lang="en-US" altLang="ko-KR" dirty="0" smtClean="0">
+              <a:rPr lang="en-US" altLang="ko-KR" dirty="0">
                 <a:latin typeface="배달의민족 도현" pitchFamily="50" charset="-127"/>
                 <a:ea typeface="배달의민족 도현" pitchFamily="50" charset="-127"/>
               </a:rPr>
@@ -6497,7 +6336,7 @@
           <a:lstStyle/>
           <a:p>
             <a:r>
-              <a:rPr lang="en-US" altLang="ko-KR" i="1" dirty="0" smtClean="0">
+              <a:rPr lang="en-US" altLang="ko-KR" i="1" dirty="0">
                 <a:latin typeface="Adobe Ming Std L" pitchFamily="18" charset="-128"/>
                 <a:ea typeface="Adobe Ming Std L" pitchFamily="18" charset="-128"/>
               </a:rPr>
@@ -6519,13 +6358,6 @@
   <p:clrMapOvr>
     <a:masterClrMapping/>
   </p:clrMapOvr>
-  <p:timing>
-    <p:tnLst>
-      <p:par>
-        <p:cTn id="1" dur="indefinite" restart="never" nodeType="tmRoot"/>
-      </p:par>
-    </p:tnLst>
-  </p:timing>
 </p:sld>
 </file>
 
@@ -6578,7 +6410,7 @@
           <a:p>
             <a:pPr algn="l"/>
             <a:r>
-              <a:rPr lang="ko-KR" altLang="en-US" sz="2800" dirty="0" smtClean="0">
+              <a:rPr lang="ko-KR" altLang="en-US" sz="2800" dirty="0">
                 <a:solidFill>
                   <a:srgbClr val="FDE035"/>
                 </a:solidFill>
@@ -6587,37 +6419,56 @@
               </a:rPr>
               <a:t>목차</a:t>
             </a:r>
-            <a:r>
-              <a:rPr lang="en-US" altLang="ko-KR" sz="2800" dirty="0" smtClean="0">
+            <a:br>
+              <a:rPr lang="en-US" altLang="ko-KR" sz="2800" dirty="0">
                 <a:solidFill>
                   <a:schemeClr val="accent5"/>
                 </a:solidFill>
                 <a:latin typeface="배달의민족 주아" pitchFamily="18" charset="-127"/>
                 <a:ea typeface="배달의민족 주아" pitchFamily="18" charset="-127"/>
               </a:rPr>
-              <a:t/>
-            </a:r>
+            </a:br>
             <a:br>
-              <a:rPr lang="en-US" altLang="ko-KR" sz="2800" dirty="0" smtClean="0">
-                <a:solidFill>
-                  <a:schemeClr val="accent5"/>
+              <a:rPr lang="en-US" altLang="ko-KR" dirty="0">
+                <a:solidFill>
+                  <a:schemeClr val="bg1"/>
                 </a:solidFill>
                 <a:latin typeface="배달의민족 주아" pitchFamily="18" charset="-127"/>
                 <a:ea typeface="배달의민족 주아" pitchFamily="18" charset="-127"/>
               </a:rPr>
             </a:br>
             <a:r>
-              <a:rPr lang="en-US" altLang="ko-KR" dirty="0" smtClean="0">
+              <a:rPr lang="en-US" altLang="ko-KR" sz="3600" dirty="0">
                 <a:solidFill>
                   <a:schemeClr val="bg1"/>
                 </a:solidFill>
                 <a:latin typeface="배달의민족 주아" pitchFamily="18" charset="-127"/>
                 <a:ea typeface="배달의민족 주아" pitchFamily="18" charset="-127"/>
               </a:rPr>
-              <a:t/>
+              <a:t>1. </a:t>
+            </a:r>
+            <a:r>
+              <a:rPr lang="ko-KR" altLang="en-US" sz="3600" dirty="0">
+                <a:solidFill>
+                  <a:schemeClr val="bg1"/>
+                </a:solidFill>
+                <a:latin typeface="배달의민족 주아" pitchFamily="18" charset="-127"/>
+                <a:ea typeface="배달의민족 주아" pitchFamily="18" charset="-127"/>
+              </a:rPr>
+              <a:t>프로그래밍이란 무엇인가</a:t>
+            </a:r>
+            <a:r>
+              <a:rPr lang="en-US" altLang="ko-KR" sz="3600" dirty="0">
+                <a:solidFill>
+                  <a:schemeClr val="bg1"/>
+                </a:solidFill>
+                <a:latin typeface="배달의민족 주아" pitchFamily="18" charset="-127"/>
+                <a:ea typeface="배달의민족 주아" pitchFamily="18" charset="-127"/>
+              </a:rPr>
+              <a:t>?</a:t>
             </a:r>
             <a:br>
-              <a:rPr lang="en-US" altLang="ko-KR" dirty="0" smtClean="0">
+              <a:rPr lang="en-US" altLang="ko-KR" sz="3600" dirty="0">
                 <a:solidFill>
                   <a:schemeClr val="bg1"/>
                 </a:solidFill>
@@ -6626,37 +6477,47 @@
               </a:rPr>
             </a:br>
             <a:r>
-              <a:rPr lang="en-US" altLang="ko-KR" sz="3600" dirty="0" smtClean="0">
+              <a:rPr lang="en-US" altLang="ko-KR" sz="3600" dirty="0">
                 <a:solidFill>
                   <a:schemeClr val="bg1"/>
                 </a:solidFill>
                 <a:latin typeface="배달의민족 주아" pitchFamily="18" charset="-127"/>
                 <a:ea typeface="배달의민족 주아" pitchFamily="18" charset="-127"/>
               </a:rPr>
-              <a:t>1. </a:t>
-            </a:r>
-            <a:r>
-              <a:rPr lang="ko-KR" altLang="en-US" sz="3600" dirty="0" smtClean="0">
+              <a:t>2. </a:t>
+            </a:r>
+            <a:r>
+              <a:rPr lang="ko-KR" altLang="en-US" sz="3600" dirty="0" err="1">
                 <a:solidFill>
                   <a:schemeClr val="bg1"/>
                 </a:solidFill>
                 <a:latin typeface="배달의민족 주아" pitchFamily="18" charset="-127"/>
                 <a:ea typeface="배달의민족 주아" pitchFamily="18" charset="-127"/>
               </a:rPr>
-              <a:t>프로그래밍이란 무엇인가</a:t>
-            </a:r>
-            <a:r>
-              <a:rPr lang="en-US" altLang="ko-KR" sz="3600" dirty="0" smtClean="0">
+              <a:t>파이썬이란</a:t>
+            </a:r>
+            <a:r>
+              <a:rPr lang="ko-KR" altLang="en-US" sz="3600" dirty="0">
                 <a:solidFill>
                   <a:schemeClr val="bg1"/>
                 </a:solidFill>
                 <a:latin typeface="배달의민족 주아" pitchFamily="18" charset="-127"/>
                 <a:ea typeface="배달의민족 주아" pitchFamily="18" charset="-127"/>
               </a:rPr>
+              <a:t> 무엇인가</a:t>
+            </a:r>
+            <a:r>
+              <a:rPr lang="en-US" altLang="ko-KR" sz="3600" dirty="0">
+                <a:solidFill>
+                  <a:schemeClr val="bg1"/>
+                </a:solidFill>
+                <a:latin typeface="배달의민족 주아" pitchFamily="18" charset="-127"/>
+                <a:ea typeface="배달의민족 주아" pitchFamily="18" charset="-127"/>
+              </a:rPr>
               <a:t>?</a:t>
             </a:r>
             <a:br>
-              <a:rPr lang="en-US" altLang="ko-KR" sz="3600" dirty="0" smtClean="0">
+              <a:rPr lang="en-US" altLang="ko-KR" sz="3600" dirty="0">
                 <a:solidFill>
                   <a:schemeClr val="bg1"/>
                 </a:solidFill>
@@ -6665,47 +6526,86 @@
               </a:rPr>
             </a:br>
             <a:r>
-              <a:rPr lang="en-US" altLang="ko-KR" sz="3600" dirty="0" smtClean="0">
+              <a:rPr lang="en-US" altLang="ko-KR" sz="3600" dirty="0">
                 <a:solidFill>
                   <a:schemeClr val="bg1"/>
                 </a:solidFill>
                 <a:latin typeface="배달의민족 주아" pitchFamily="18" charset="-127"/>
                 <a:ea typeface="배달의민족 주아" pitchFamily="18" charset="-127"/>
               </a:rPr>
-              <a:t>2. </a:t>
-            </a:r>
-            <a:r>
-              <a:rPr lang="ko-KR" altLang="en-US" sz="3600" dirty="0" err="1" smtClean="0">
+              <a:t>	2.1 </a:t>
+            </a:r>
+            <a:r>
+              <a:rPr lang="ko-KR" altLang="en-US" sz="3600" dirty="0" err="1">
                 <a:solidFill>
                   <a:schemeClr val="bg1"/>
                 </a:solidFill>
                 <a:latin typeface="배달의민족 주아" pitchFamily="18" charset="-127"/>
                 <a:ea typeface="배달의민족 주아" pitchFamily="18" charset="-127"/>
               </a:rPr>
-              <a:t>파이썬이란</a:t>
-            </a:r>
-            <a:r>
-              <a:rPr lang="ko-KR" altLang="en-US" sz="3600" dirty="0" smtClean="0">
+              <a:t>파이썬의</a:t>
+            </a:r>
+            <a:r>
+              <a:rPr lang="ko-KR" altLang="en-US" sz="3600" dirty="0">
                 <a:solidFill>
                   <a:schemeClr val="bg1"/>
                 </a:solidFill>
                 <a:latin typeface="배달의민족 주아" pitchFamily="18" charset="-127"/>
                 <a:ea typeface="배달의민족 주아" pitchFamily="18" charset="-127"/>
               </a:rPr>
-              <a:t> 무엇인가</a:t>
-            </a:r>
-            <a:r>
-              <a:rPr lang="en-US" altLang="ko-KR" sz="3600" dirty="0" smtClean="0">
+              <a:t> 특징</a:t>
+            </a:r>
+            <a:br>
+              <a:rPr lang="en-US" altLang="ko-KR" sz="3600" dirty="0">
                 <a:solidFill>
                   <a:schemeClr val="bg1"/>
                 </a:solidFill>
                 <a:latin typeface="배달의민족 주아" pitchFamily="18" charset="-127"/>
                 <a:ea typeface="배달의민족 주아" pitchFamily="18" charset="-127"/>
               </a:rPr>
-              <a:t>?</a:t>
+            </a:br>
+            <a:r>
+              <a:rPr lang="en-US" altLang="ko-KR" sz="3600" dirty="0">
+                <a:solidFill>
+                  <a:schemeClr val="bg1"/>
+                </a:solidFill>
+                <a:latin typeface="배달의민족 주아" pitchFamily="18" charset="-127"/>
+                <a:ea typeface="배달의민족 주아" pitchFamily="18" charset="-127"/>
+              </a:rPr>
+              <a:t>	2.2 </a:t>
+            </a:r>
+            <a:r>
+              <a:rPr lang="ko-KR" altLang="en-US" sz="3600" dirty="0" err="1">
+                <a:solidFill>
+                  <a:schemeClr val="bg1"/>
+                </a:solidFill>
+                <a:latin typeface="배달의민족 주아" pitchFamily="18" charset="-127"/>
+                <a:ea typeface="배달의민족 주아" pitchFamily="18" charset="-127"/>
+              </a:rPr>
+              <a:t>파이썬이</a:t>
+            </a:r>
+            <a:r>
+              <a:rPr lang="ko-KR" altLang="en-US" sz="3600" dirty="0">
+                <a:solidFill>
+                  <a:schemeClr val="bg1"/>
+                </a:solidFill>
+                <a:latin typeface="배달의민족 주아" pitchFamily="18" charset="-127"/>
+                <a:ea typeface="배달의민족 주아" pitchFamily="18" charset="-127"/>
+              </a:rPr>
+              <a:t> 활용되는 곳</a:t>
+            </a:r>
+            <a:r>
+              <a:rPr lang="en-US" altLang="ko-KR" sz="3600" dirty="0">
+                <a:solidFill>
+                  <a:schemeClr val="bg1"/>
+                </a:solidFill>
+                <a:latin typeface="배달의민족 주아" pitchFamily="18" charset="-127"/>
+                <a:ea typeface="배달의민족 주아" pitchFamily="18" charset="-127"/>
+              </a:rPr>
+              <a:t>	</a:t>
             </a:r>
             <a:br>
-              <a:rPr lang="en-US" altLang="ko-KR" sz="3600" dirty="0" smtClean="0">
+              <a:rPr lang="en-US" altLang="ko-KR" sz="3600" dirty="0">
                 <a:solidFill>
                   <a:schemeClr val="bg1"/>
                 </a:solidFill>
@@ -6721,50 +6621,59 @@
                 <a:latin typeface="배달의민족 주아" pitchFamily="18" charset="-127"/>
                 <a:ea typeface="배달의민족 주아" pitchFamily="18" charset="-127"/>
               </a:rPr>
-              <a:t>	</a:t>
-            </a:r>
-            <a:r>
-              <a:rPr lang="en-US" altLang="ko-KR" sz="3600" dirty="0" smtClean="0">
+              <a:t>3. </a:t>
+            </a:r>
+            <a:r>
+              <a:rPr lang="ko-KR" altLang="en-US" sz="3600" dirty="0">
                 <a:solidFill>
                   <a:schemeClr val="bg1"/>
                 </a:solidFill>
                 <a:latin typeface="배달의민족 주아" pitchFamily="18" charset="-127"/>
                 <a:ea typeface="배달의민족 주아" pitchFamily="18" charset="-127"/>
               </a:rPr>
-              <a:t>2.1 </a:t>
-            </a:r>
-            <a:r>
-              <a:rPr lang="ko-KR" altLang="en-US" sz="3600" dirty="0" err="1" smtClean="0">
+              <a:t>프로그램 설치</a:t>
+            </a:r>
+            <a:br>
+              <a:rPr lang="en-US" altLang="ko-KR" sz="3600" dirty="0">
                 <a:solidFill>
                   <a:schemeClr val="bg1"/>
                 </a:solidFill>
                 <a:latin typeface="배달의민족 주아" pitchFamily="18" charset="-127"/>
                 <a:ea typeface="배달의민족 주아" pitchFamily="18" charset="-127"/>
               </a:rPr>
-              <a:t>파이썬의</a:t>
-            </a:r>
-            <a:r>
-              <a:rPr lang="ko-KR" altLang="en-US" sz="3600" dirty="0" smtClean="0">
+            </a:br>
+            <a:r>
+              <a:rPr lang="en-US" altLang="ko-KR" sz="3600" dirty="0">
                 <a:solidFill>
                   <a:schemeClr val="bg1"/>
                 </a:solidFill>
                 <a:latin typeface="배달의민족 주아" pitchFamily="18" charset="-127"/>
                 <a:ea typeface="배달의민족 주아" pitchFamily="18" charset="-127"/>
               </a:rPr>
-              <a:t> 특징</a:t>
-            </a:r>
-            <a:r>
-              <a:rPr lang="en-US" altLang="ko-KR" sz="3600" dirty="0" smtClean="0">
+              <a:t>	3.1 </a:t>
+            </a:r>
+            <a:r>
+              <a:rPr lang="ko-KR" altLang="en-US" sz="3600" dirty="0" err="1">
                 <a:solidFill>
                   <a:schemeClr val="bg1"/>
                 </a:solidFill>
                 <a:latin typeface="배달의민족 주아" pitchFamily="18" charset="-127"/>
                 <a:ea typeface="배달의민족 주아" pitchFamily="18" charset="-127"/>
               </a:rPr>
-              <a:t/>
+              <a:t>파이썬</a:t>
+            </a:r>
+            <a:r>
+              <a:rPr lang="ko-KR" altLang="en-US" sz="3600" dirty="0">
+                <a:solidFill>
+                  <a:schemeClr val="bg1"/>
+                </a:solidFill>
+                <a:latin typeface="배달의민족 주아" pitchFamily="18" charset="-127"/>
+                <a:ea typeface="배달의민족 주아" pitchFamily="18" charset="-127"/>
+              </a:rPr>
+              <a:t> 설치</a:t>
             </a:r>
             <a:br>
-              <a:rPr lang="en-US" altLang="ko-KR" sz="3600" dirty="0" smtClean="0">
+              <a:rPr lang="en-US" altLang="ko-KR" sz="3600" dirty="0">
                 <a:solidFill>
                   <a:schemeClr val="bg1"/>
                 </a:solidFill>
@@ -6780,207 +6689,30 @@
                 <a:latin typeface="배달의민족 주아" pitchFamily="18" charset="-127"/>
                 <a:ea typeface="배달의민족 주아" pitchFamily="18" charset="-127"/>
               </a:rPr>
-              <a:t>	</a:t>
-            </a:r>
-            <a:r>
-              <a:rPr lang="en-US" altLang="ko-KR" sz="3600" dirty="0" smtClean="0">
+              <a:t>	3.2 </a:t>
+            </a:r>
+            <a:r>
+              <a:rPr lang="ko-KR" altLang="en-US" sz="3600" dirty="0">
                 <a:solidFill>
                   <a:schemeClr val="bg1"/>
                 </a:solidFill>
                 <a:latin typeface="배달의민족 주아" pitchFamily="18" charset="-127"/>
                 <a:ea typeface="배달의민족 주아" pitchFamily="18" charset="-127"/>
               </a:rPr>
-              <a:t>2.2 </a:t>
-            </a:r>
-            <a:r>
-              <a:rPr lang="ko-KR" altLang="en-US" sz="3600" dirty="0" err="1" smtClean="0">
+              <a:t>에디터</a:t>
+            </a:r>
+            <a:r>
+              <a:rPr lang="en-US" altLang="ko-KR" sz="3600" dirty="0">
                 <a:solidFill>
                   <a:schemeClr val="bg1"/>
                 </a:solidFill>
                 <a:latin typeface="배달의민족 주아" pitchFamily="18" charset="-127"/>
                 <a:ea typeface="배달의민족 주아" pitchFamily="18" charset="-127"/>
               </a:rPr>
-              <a:t>파이썬이</a:t>
-            </a:r>
-            <a:r>
-              <a:rPr lang="ko-KR" altLang="en-US" sz="3600" dirty="0" smtClean="0">
-                <a:solidFill>
-                  <a:schemeClr val="bg1"/>
-                </a:solidFill>
-                <a:latin typeface="배달의민족 주아" pitchFamily="18" charset="-127"/>
-                <a:ea typeface="배달의민족 주아" pitchFamily="18" charset="-127"/>
-              </a:rPr>
-              <a:t> 활용되는 곳</a:t>
-            </a:r>
-            <a:r>
-              <a:rPr lang="en-US" altLang="ko-KR" sz="3600" dirty="0">
-                <a:solidFill>
-                  <a:schemeClr val="bg1"/>
-                </a:solidFill>
-                <a:latin typeface="배달의민족 주아" pitchFamily="18" charset="-127"/>
-                <a:ea typeface="배달의민족 주아" pitchFamily="18" charset="-127"/>
-              </a:rPr>
-              <a:t>	</a:t>
-            </a:r>
-            <a:r>
-              <a:rPr lang="en-US" altLang="ko-KR" sz="3600" dirty="0" smtClean="0">
-                <a:solidFill>
-                  <a:schemeClr val="bg1"/>
-                </a:solidFill>
-                <a:latin typeface="배달의민족 주아" pitchFamily="18" charset="-127"/>
-                <a:ea typeface="배달의민족 주아" pitchFamily="18" charset="-127"/>
-              </a:rPr>
-              <a:t/>
-            </a:r>
-            <a:br>
-              <a:rPr lang="en-US" altLang="ko-KR" sz="3600" dirty="0" smtClean="0">
-                <a:solidFill>
-                  <a:schemeClr val="bg1"/>
-                </a:solidFill>
-                <a:latin typeface="배달의민족 주아" pitchFamily="18" charset="-127"/>
-                <a:ea typeface="배달의민족 주아" pitchFamily="18" charset="-127"/>
-              </a:rPr>
-            </a:br>
-            <a:r>
-              <a:rPr lang="en-US" altLang="ko-KR" sz="3600" dirty="0" smtClean="0">
-                <a:solidFill>
-                  <a:schemeClr val="bg1"/>
-                </a:solidFill>
-                <a:latin typeface="배달의민족 주아" pitchFamily="18" charset="-127"/>
-                <a:ea typeface="배달의민족 주아" pitchFamily="18" charset="-127"/>
-              </a:rPr>
-              <a:t>3. </a:t>
-            </a:r>
-            <a:r>
-              <a:rPr lang="ko-KR" altLang="en-US" sz="3600" dirty="0" smtClean="0">
-                <a:solidFill>
-                  <a:schemeClr val="bg1"/>
-                </a:solidFill>
-                <a:latin typeface="배달의민족 주아" pitchFamily="18" charset="-127"/>
-                <a:ea typeface="배달의민족 주아" pitchFamily="18" charset="-127"/>
-              </a:rPr>
-              <a:t>프로그램 설치</a:t>
-            </a:r>
-            <a:r>
-              <a:rPr lang="en-US" altLang="ko-KR" sz="3600" dirty="0" smtClean="0">
-                <a:solidFill>
-                  <a:schemeClr val="bg1"/>
-                </a:solidFill>
-                <a:latin typeface="배달의민족 주아" pitchFamily="18" charset="-127"/>
-                <a:ea typeface="배달의민족 주아" pitchFamily="18" charset="-127"/>
-              </a:rPr>
-              <a:t/>
-            </a:r>
-            <a:br>
-              <a:rPr lang="en-US" altLang="ko-KR" sz="3600" dirty="0" smtClean="0">
-                <a:solidFill>
-                  <a:schemeClr val="bg1"/>
-                </a:solidFill>
-                <a:latin typeface="배달의민족 주아" pitchFamily="18" charset="-127"/>
-                <a:ea typeface="배달의민족 주아" pitchFamily="18" charset="-127"/>
-              </a:rPr>
-            </a:br>
-            <a:r>
-              <a:rPr lang="en-US" altLang="ko-KR" sz="3600" dirty="0">
-                <a:solidFill>
-                  <a:schemeClr val="bg1"/>
-                </a:solidFill>
-                <a:latin typeface="배달의민족 주아" pitchFamily="18" charset="-127"/>
-                <a:ea typeface="배달의민족 주아" pitchFamily="18" charset="-127"/>
-              </a:rPr>
-              <a:t>	</a:t>
-            </a:r>
-            <a:r>
-              <a:rPr lang="en-US" altLang="ko-KR" sz="3600" dirty="0" smtClean="0">
-                <a:solidFill>
-                  <a:schemeClr val="bg1"/>
-                </a:solidFill>
-                <a:latin typeface="배달의민족 주아" pitchFamily="18" charset="-127"/>
-                <a:ea typeface="배달의민족 주아" pitchFamily="18" charset="-127"/>
-              </a:rPr>
-              <a:t>3.1 </a:t>
-            </a:r>
-            <a:r>
-              <a:rPr lang="ko-KR" altLang="en-US" sz="3600" dirty="0" err="1" smtClean="0">
-                <a:solidFill>
-                  <a:schemeClr val="bg1"/>
-                </a:solidFill>
-                <a:latin typeface="배달의민족 주아" pitchFamily="18" charset="-127"/>
-                <a:ea typeface="배달의민족 주아" pitchFamily="18" charset="-127"/>
-              </a:rPr>
-              <a:t>파이썬</a:t>
-            </a:r>
-            <a:r>
-              <a:rPr lang="ko-KR" altLang="en-US" sz="3600" dirty="0" smtClean="0">
-                <a:solidFill>
-                  <a:schemeClr val="bg1"/>
-                </a:solidFill>
-                <a:latin typeface="배달의민족 주아" pitchFamily="18" charset="-127"/>
-                <a:ea typeface="배달의민족 주아" pitchFamily="18" charset="-127"/>
-              </a:rPr>
-              <a:t> 설치</a:t>
-            </a:r>
-            <a:r>
-              <a:rPr lang="en-US" altLang="ko-KR" sz="3600" dirty="0" smtClean="0">
-                <a:solidFill>
-                  <a:schemeClr val="bg1"/>
-                </a:solidFill>
-                <a:latin typeface="배달의민족 주아" pitchFamily="18" charset="-127"/>
-                <a:ea typeface="배달의민족 주아" pitchFamily="18" charset="-127"/>
-              </a:rPr>
-              <a:t/>
-            </a:r>
-            <a:br>
-              <a:rPr lang="en-US" altLang="ko-KR" sz="3600" dirty="0" smtClean="0">
-                <a:solidFill>
-                  <a:schemeClr val="bg1"/>
-                </a:solidFill>
-                <a:latin typeface="배달의민족 주아" pitchFamily="18" charset="-127"/>
-                <a:ea typeface="배달의민족 주아" pitchFamily="18" charset="-127"/>
-              </a:rPr>
-            </a:br>
-            <a:r>
-              <a:rPr lang="en-US" altLang="ko-KR" sz="3600" dirty="0">
-                <a:solidFill>
-                  <a:schemeClr val="bg1"/>
-                </a:solidFill>
-                <a:latin typeface="배달의민족 주아" pitchFamily="18" charset="-127"/>
-                <a:ea typeface="배달의민족 주아" pitchFamily="18" charset="-127"/>
-              </a:rPr>
-              <a:t>	</a:t>
-            </a:r>
-            <a:r>
-              <a:rPr lang="en-US" altLang="ko-KR" sz="3600" dirty="0" smtClean="0">
-                <a:solidFill>
-                  <a:schemeClr val="bg1"/>
-                </a:solidFill>
-                <a:latin typeface="배달의민족 주아" pitchFamily="18" charset="-127"/>
-                <a:ea typeface="배달의민족 주아" pitchFamily="18" charset="-127"/>
-              </a:rPr>
-              <a:t>3.2 </a:t>
-            </a:r>
-            <a:r>
-              <a:rPr lang="ko-KR" altLang="en-US" sz="3600" dirty="0" smtClean="0">
-                <a:solidFill>
-                  <a:schemeClr val="bg1"/>
-                </a:solidFill>
-                <a:latin typeface="배달의민족 주아" pitchFamily="18" charset="-127"/>
-                <a:ea typeface="배달의민족 주아" pitchFamily="18" charset="-127"/>
-              </a:rPr>
-              <a:t>에디터</a:t>
-            </a:r>
-            <a:r>
-              <a:rPr lang="en-US" altLang="ko-KR" sz="3600" dirty="0" smtClean="0">
-                <a:solidFill>
-                  <a:schemeClr val="bg1"/>
-                </a:solidFill>
-                <a:latin typeface="배달의민족 주아" pitchFamily="18" charset="-127"/>
-                <a:ea typeface="배달의민족 주아" pitchFamily="18" charset="-127"/>
-              </a:rPr>
               <a:t>(IDE) </a:t>
             </a:r>
             <a:r>
-              <a:rPr lang="ko-KR" altLang="en-US" sz="3600" dirty="0" smtClean="0">
+              <a:rPr lang="ko-KR" altLang="en-US" sz="3600" dirty="0">
                 <a:solidFill>
                   <a:schemeClr val="bg1"/>
                 </a:solidFill>
@@ -7022,7 +6754,7 @@
           <a:lstStyle/>
           <a:p>
             <a:r>
-              <a:rPr lang="en-US" altLang="ko-KR" dirty="0" smtClean="0">
+              <a:rPr lang="en-US" altLang="ko-KR" dirty="0">
                 <a:solidFill>
                   <a:srgbClr val="FDE035"/>
                 </a:solidFill>
@@ -7032,7 +6764,7 @@
               <a:t>S</a:t>
             </a:r>
             <a:r>
-              <a:rPr lang="en-US" altLang="ko-KR" dirty="0" smtClean="0">
+              <a:rPr lang="en-US" altLang="ko-KR" dirty="0">
                 <a:solidFill>
                   <a:schemeClr val="bg1"/>
                 </a:solidFill>
@@ -7042,7 +6774,7 @@
               <a:t>TART</a:t>
             </a:r>
             <a:r>
-              <a:rPr lang="en-US" altLang="ko-KR" dirty="0" smtClean="0">
+              <a:rPr lang="en-US" altLang="ko-KR" dirty="0">
                 <a:solidFill>
                   <a:srgbClr val="FDE035"/>
                 </a:solidFill>
@@ -7052,7 +6784,7 @@
               <a:t>C</a:t>
             </a:r>
             <a:r>
-              <a:rPr lang="en-US" altLang="ko-KR" dirty="0" smtClean="0">
+              <a:rPr lang="en-US" altLang="ko-KR" dirty="0">
                 <a:solidFill>
                   <a:schemeClr val="bg1"/>
                 </a:solidFill>
@@ -7081,13 +6813,6 @@
   <p:clrMapOvr>
     <a:masterClrMapping/>
   </p:clrMapOvr>
-  <p:timing>
-    <p:tnLst>
-      <p:par>
-        <p:cTn id="1" dur="indefinite" restart="never" nodeType="tmRoot"/>
-      </p:par>
-    </p:tnLst>
-  </p:timing>
 </p:sld>
 </file>
 
@@ -7129,7 +6854,7 @@
           <a:lstStyle/>
           <a:p>
             <a:r>
-              <a:rPr lang="en-US" altLang="ko-KR" dirty="0" smtClean="0">
+              <a:rPr lang="en-US" altLang="ko-KR" dirty="0">
                 <a:latin typeface="배달의민족 주아" pitchFamily="18" charset="-127"/>
                 <a:ea typeface="배달의민족 주아" pitchFamily="18" charset="-127"/>
               </a:rPr>
@@ -7165,7 +6890,7 @@
           <a:lstStyle/>
           <a:p>
             <a:r>
-              <a:rPr lang="en-US" altLang="ko-KR" dirty="0" smtClean="0">
+              <a:rPr lang="en-US" altLang="ko-KR" dirty="0">
                 <a:solidFill>
                   <a:schemeClr val="accent5"/>
                 </a:solidFill>
@@ -7175,14 +6900,14 @@
               <a:t>S</a:t>
             </a:r>
             <a:r>
-              <a:rPr lang="en-US" altLang="ko-KR" dirty="0" smtClean="0">
+              <a:rPr lang="en-US" altLang="ko-KR" dirty="0">
                 <a:latin typeface="배달의민족 도현" pitchFamily="50" charset="-127"/>
                 <a:ea typeface="배달의민족 도현" pitchFamily="50" charset="-127"/>
               </a:rPr>
               <a:t>TART</a:t>
             </a:r>
             <a:r>
-              <a:rPr lang="en-US" altLang="ko-KR" dirty="0" smtClean="0">
+              <a:rPr lang="en-US" altLang="ko-KR" dirty="0">
                 <a:solidFill>
                   <a:schemeClr val="accent5"/>
                 </a:solidFill>
@@ -7192,7 +6917,7 @@
               <a:t>C</a:t>
             </a:r>
             <a:r>
-              <a:rPr lang="en-US" altLang="ko-KR" dirty="0" smtClean="0">
+              <a:rPr lang="en-US" altLang="ko-KR" dirty="0">
                 <a:latin typeface="배달의민족 도현" pitchFamily="50" charset="-127"/>
                 <a:ea typeface="배달의민족 도현" pitchFamily="50" charset="-127"/>
               </a:rPr>
@@ -7485,7 +7210,7 @@
           <a:lstStyle/>
           <a:p>
             <a:r>
-              <a:rPr lang="en-US" altLang="ko-KR" dirty="0" smtClean="0">
+              <a:rPr lang="en-US" altLang="ko-KR" dirty="0">
                 <a:latin typeface="배달의민족 주아" pitchFamily="18" charset="-127"/>
                 <a:ea typeface="배달의민족 주아" pitchFamily="18" charset="-127"/>
               </a:rPr>
@@ -7521,7 +7246,7 @@
           <a:lstStyle/>
           <a:p>
             <a:r>
-              <a:rPr lang="en-US" altLang="ko-KR" dirty="0" smtClean="0">
+              <a:rPr lang="en-US" altLang="ko-KR" dirty="0">
                 <a:solidFill>
                   <a:schemeClr val="accent5"/>
                 </a:solidFill>
@@ -7531,14 +7256,14 @@
               <a:t>S</a:t>
             </a:r>
             <a:r>
-              <a:rPr lang="en-US" altLang="ko-KR" dirty="0" smtClean="0">
+              <a:rPr lang="en-US" altLang="ko-KR" dirty="0">
                 <a:latin typeface="배달의민족 도현" pitchFamily="50" charset="-127"/>
                 <a:ea typeface="배달의민족 도현" pitchFamily="50" charset="-127"/>
               </a:rPr>
               <a:t>TART</a:t>
             </a:r>
             <a:r>
-              <a:rPr lang="en-US" altLang="ko-KR" dirty="0" smtClean="0">
+              <a:rPr lang="en-US" altLang="ko-KR" dirty="0">
                 <a:solidFill>
                   <a:schemeClr val="accent5"/>
                 </a:solidFill>
@@ -7548,7 +7273,7 @@
               <a:t>C</a:t>
             </a:r>
             <a:r>
-              <a:rPr lang="en-US" altLang="ko-KR" dirty="0" smtClean="0">
+              <a:rPr lang="en-US" altLang="ko-KR" dirty="0">
                 <a:latin typeface="배달의민족 도현" pitchFamily="50" charset="-127"/>
                 <a:ea typeface="배달의민족 도현" pitchFamily="50" charset="-127"/>
               </a:rPr>
@@ -8040,7 +7765,7 @@
           <a:lstStyle/>
           <a:p>
             <a:r>
-              <a:rPr lang="en-US" altLang="ko-KR" dirty="0" smtClean="0">
+              <a:rPr lang="en-US" altLang="ko-KR" dirty="0">
                 <a:latin typeface="배달의민족 주아" pitchFamily="18" charset="-127"/>
                 <a:ea typeface="배달의민족 주아" pitchFamily="18" charset="-127"/>
               </a:rPr>
@@ -8076,7 +7801,7 @@
           <a:lstStyle/>
           <a:p>
             <a:r>
-              <a:rPr lang="en-US" altLang="ko-KR" dirty="0" smtClean="0">
+              <a:rPr lang="en-US" altLang="ko-KR" dirty="0">
                 <a:solidFill>
                   <a:schemeClr val="accent5"/>
                 </a:solidFill>
@@ -8086,14 +7811,14 @@
               <a:t>S</a:t>
             </a:r>
             <a:r>
-              <a:rPr lang="en-US" altLang="ko-KR" dirty="0" smtClean="0">
+              <a:rPr lang="en-US" altLang="ko-KR" dirty="0">
                 <a:latin typeface="배달의민족 도현" pitchFamily="50" charset="-127"/>
                 <a:ea typeface="배달의민족 도현" pitchFamily="50" charset="-127"/>
               </a:rPr>
               <a:t>TART</a:t>
             </a:r>
             <a:r>
-              <a:rPr lang="en-US" altLang="ko-KR" dirty="0" smtClean="0">
+              <a:rPr lang="en-US" altLang="ko-KR" dirty="0">
                 <a:solidFill>
                   <a:schemeClr val="accent5"/>
                 </a:solidFill>
@@ -8103,7 +7828,7 @@
               <a:t>C</a:t>
             </a:r>
             <a:r>
-              <a:rPr lang="en-US" altLang="ko-KR" dirty="0" smtClean="0">
+              <a:rPr lang="en-US" altLang="ko-KR" dirty="0">
                 <a:latin typeface="배달의민족 도현" pitchFamily="50" charset="-127"/>
                 <a:ea typeface="배달의민족 도현" pitchFamily="50" charset="-127"/>
               </a:rPr>
@@ -8155,16 +7880,12 @@
           </a:lstStyle>
           <a:p>
             <a:r>
-              <a:rPr lang="ko-KR" altLang="en-US" dirty="0" smtClean="0">
+              <a:rPr lang="ko-KR" altLang="en-US" dirty="0">
                 <a:latin typeface="배달의민족 주아" pitchFamily="18" charset="-127"/>
                 <a:ea typeface="배달의민족 주아" pitchFamily="18" charset="-127"/>
               </a:rPr>
               <a:t>기계어</a:t>
             </a:r>
-            <a:endParaRPr lang="ko-KR" altLang="en-US" dirty="0">
-              <a:latin typeface="배달의민족 주아" pitchFamily="18" charset="-127"/>
-              <a:ea typeface="배달의민족 주아" pitchFamily="18" charset="-127"/>
-            </a:endParaRPr>
           </a:p>
         </p:txBody>
       </p:sp>
@@ -8354,33 +8075,33 @@
           <a:lstStyle/>
           <a:p>
             <a:r>
-              <a:rPr lang="en-US" altLang="ko-KR" dirty="0" smtClean="0">
+              <a:rPr lang="en-US" altLang="ko-KR" dirty="0">
                 <a:latin typeface="배달의민족 주아" pitchFamily="18" charset="-127"/>
                 <a:ea typeface="배달의민족 주아" pitchFamily="18" charset="-127"/>
               </a:rPr>
               <a:t>1000 1011 0100 0101 1111 1000</a:t>
             </a:r>
             <a:br>
-              <a:rPr lang="en-US" altLang="ko-KR" dirty="0" smtClean="0">
+              <a:rPr lang="en-US" altLang="ko-KR" dirty="0">
                 <a:latin typeface="배달의민족 주아" pitchFamily="18" charset="-127"/>
                 <a:ea typeface="배달의민족 주아" pitchFamily="18" charset="-127"/>
               </a:rPr>
             </a:br>
             <a:r>
-              <a:rPr lang="en-US" altLang="ko-KR" dirty="0" smtClean="0">
+              <a:rPr lang="en-US" altLang="ko-KR" dirty="0">
                 <a:latin typeface="배달의민족 주아" pitchFamily="18" charset="-127"/>
                 <a:ea typeface="배달의민족 주아" pitchFamily="18" charset="-127"/>
               </a:rPr>
               <a:t>1000 0011 1100 0100 0000 1100</a:t>
             </a:r>
             <a:br>
-              <a:rPr lang="en-US" altLang="ko-KR" dirty="0" smtClean="0">
+              <a:rPr lang="en-US" altLang="ko-KR" dirty="0">
                 <a:latin typeface="배달의민족 주아" pitchFamily="18" charset="-127"/>
                 <a:ea typeface="배달의민족 주아" pitchFamily="18" charset="-127"/>
               </a:rPr>
             </a:br>
             <a:r>
-              <a:rPr lang="en-US" altLang="ko-KR" dirty="0" smtClean="0">
+              <a:rPr lang="en-US" altLang="ko-KR" dirty="0">
                 <a:latin typeface="배달의민족 주아" pitchFamily="18" charset="-127"/>
                 <a:ea typeface="배달의민족 주아" pitchFamily="18" charset="-127"/>
               </a:rPr>
@@ -8416,7 +8137,7 @@
           <a:lstStyle/>
           <a:p>
             <a:r>
-              <a:rPr lang="en-US" altLang="ko-KR" dirty="0" smtClean="0">
+              <a:rPr lang="en-US" altLang="ko-KR" dirty="0">
                 <a:solidFill>
                   <a:schemeClr val="accent5"/>
                 </a:solidFill>
@@ -8426,14 +8147,14 @@
               <a:t>S</a:t>
             </a:r>
             <a:r>
-              <a:rPr lang="en-US" altLang="ko-KR" dirty="0" smtClean="0">
+              <a:rPr lang="en-US" altLang="ko-KR" dirty="0">
                 <a:latin typeface="배달의민족 도현" pitchFamily="50" charset="-127"/>
                 <a:ea typeface="배달의민족 도현" pitchFamily="50" charset="-127"/>
               </a:rPr>
               <a:t>TART</a:t>
             </a:r>
             <a:r>
-              <a:rPr lang="en-US" altLang="ko-KR" dirty="0" smtClean="0">
+              <a:rPr lang="en-US" altLang="ko-KR" dirty="0">
                 <a:solidFill>
                   <a:schemeClr val="accent5"/>
                 </a:solidFill>
@@ -8443,7 +8164,7 @@
               <a:t>C</a:t>
             </a:r>
             <a:r>
-              <a:rPr lang="en-US" altLang="ko-KR" dirty="0" smtClean="0">
+              <a:rPr lang="en-US" altLang="ko-KR" dirty="0">
                 <a:latin typeface="배달의민족 도현" pitchFamily="50" charset="-127"/>
                 <a:ea typeface="배달의민족 도현" pitchFamily="50" charset="-127"/>
               </a:rPr>
@@ -8495,7 +8216,7 @@
           </a:lstStyle>
           <a:p>
             <a:r>
-              <a:rPr lang="en-US" altLang="ko-KR" dirty="0" smtClean="0">
+              <a:rPr lang="en-US" altLang="ko-KR" dirty="0">
                 <a:latin typeface="배달의민족 주아" pitchFamily="18" charset="-127"/>
                 <a:ea typeface="배달의민족 주아" pitchFamily="18" charset="-127"/>
               </a:rPr>
@@ -8860,16 +8581,12 @@
           <a:lstStyle/>
           <a:p>
             <a:r>
-              <a:rPr lang="ko-KR" altLang="en-US" dirty="0" smtClean="0">
+              <a:rPr lang="ko-KR" altLang="en-US" dirty="0">
                 <a:latin typeface="배달의민족 주아" pitchFamily="18" charset="-127"/>
                 <a:ea typeface="배달의민족 주아" pitchFamily="18" charset="-127"/>
               </a:rPr>
               <a:t>어셈블리어</a:t>
             </a:r>
-            <a:endParaRPr lang="ko-KR" altLang="en-US" dirty="0">
-              <a:latin typeface="배달의민족 주아" pitchFamily="18" charset="-127"/>
-              <a:ea typeface="배달의민족 주아" pitchFamily="18" charset="-127"/>
-            </a:endParaRPr>
           </a:p>
         </p:txBody>
       </p:sp>
@@ -8896,7 +8613,7 @@
           <a:lstStyle/>
           <a:p>
             <a:r>
-              <a:rPr lang="en-US" altLang="ko-KR" dirty="0" smtClean="0">
+              <a:rPr lang="en-US" altLang="ko-KR" dirty="0">
                 <a:solidFill>
                   <a:schemeClr val="accent5"/>
                 </a:solidFill>
@@ -8906,14 +8623,14 @@
               <a:t>S</a:t>
             </a:r>
             <a:r>
-              <a:rPr lang="en-US" altLang="ko-KR" dirty="0" smtClean="0">
+              <a:rPr lang="en-US" altLang="ko-KR" dirty="0">
                 <a:latin typeface="배달의민족 도현" pitchFamily="50" charset="-127"/>
                 <a:ea typeface="배달의민족 도현" pitchFamily="50" charset="-127"/>
               </a:rPr>
               <a:t>TART</a:t>
             </a:r>
             <a:r>
-              <a:rPr lang="en-US" altLang="ko-KR" dirty="0" smtClean="0">
+              <a:rPr lang="en-US" altLang="ko-KR" dirty="0">
                 <a:solidFill>
                   <a:schemeClr val="accent5"/>
                 </a:solidFill>
@@ -8923,7 +8640,7 @@
               <a:t>C</a:t>
             </a:r>
             <a:r>
-              <a:rPr lang="en-US" altLang="ko-KR" dirty="0" smtClean="0">
+              <a:rPr lang="en-US" altLang="ko-KR" dirty="0">
                 <a:latin typeface="배달의민족 도현" pitchFamily="50" charset="-127"/>
                 <a:ea typeface="배달의민족 도현" pitchFamily="50" charset="-127"/>
               </a:rPr>
@@ -8975,16 +8692,12 @@
           </a:lstStyle>
           <a:p>
             <a:r>
-              <a:rPr lang="ko-KR" altLang="en-US" dirty="0" smtClean="0">
+              <a:rPr lang="ko-KR" altLang="en-US" dirty="0">
                 <a:latin typeface="배달의민족 주아" pitchFamily="18" charset="-127"/>
                 <a:ea typeface="배달의민족 주아" pitchFamily="18" charset="-127"/>
               </a:rPr>
               <a:t>기계어</a:t>
             </a:r>
-            <a:endParaRPr lang="ko-KR" altLang="en-US" dirty="0">
-              <a:latin typeface="배달의민족 주아" pitchFamily="18" charset="-127"/>
-              <a:ea typeface="배달의민족 주아" pitchFamily="18" charset="-127"/>
-            </a:endParaRPr>
           </a:p>
         </p:txBody>
       </p:sp>
@@ -9027,16 +8740,12 @@
           </a:lstStyle>
           <a:p>
             <a:r>
-              <a:rPr lang="ko-KR" altLang="en-US" dirty="0" smtClean="0">
+              <a:rPr lang="ko-KR" altLang="en-US" dirty="0">
                 <a:latin typeface="배달의민족 주아" pitchFamily="18" charset="-127"/>
                 <a:ea typeface="배달의민족 주아" pitchFamily="18" charset="-127"/>
               </a:rPr>
               <a:t>고급언어</a:t>
             </a:r>
-            <a:endParaRPr lang="ko-KR" altLang="en-US" dirty="0">
-              <a:latin typeface="배달의민족 주아" pitchFamily="18" charset="-127"/>
-              <a:ea typeface="배달의민족 주아" pitchFamily="18" charset="-127"/>
-            </a:endParaRPr>
           </a:p>
         </p:txBody>
       </p:sp>
@@ -9504,16 +9213,12 @@
           <a:lstStyle/>
           <a:p>
             <a:r>
-              <a:rPr lang="ko-KR" altLang="en-US" dirty="0" smtClean="0">
+              <a:rPr lang="ko-KR" altLang="en-US" dirty="0">
                 <a:latin typeface="배달의민족 주아" pitchFamily="18" charset="-127"/>
                 <a:ea typeface="배달의민족 주아" pitchFamily="18" charset="-127"/>
               </a:rPr>
               <a:t>고급언어</a:t>
             </a:r>
-            <a:endParaRPr lang="ko-KR" altLang="en-US" dirty="0">
-              <a:latin typeface="배달의민족 주아" pitchFamily="18" charset="-127"/>
-              <a:ea typeface="배달의민족 주아" pitchFamily="18" charset="-127"/>
-            </a:endParaRPr>
           </a:p>
         </p:txBody>
       </p:sp>
@@ -9540,7 +9245,7 @@
           <a:lstStyle/>
           <a:p>
             <a:r>
-              <a:rPr lang="en-US" altLang="ko-KR" dirty="0" smtClean="0">
+              <a:rPr lang="en-US" altLang="ko-KR" dirty="0">
                 <a:solidFill>
                   <a:schemeClr val="accent5"/>
                 </a:solidFill>
@@ -9550,14 +9255,14 @@
               <a:t>S</a:t>
             </a:r>
             <a:r>
-              <a:rPr lang="en-US" altLang="ko-KR" dirty="0" smtClean="0">
+              <a:rPr lang="en-US" altLang="ko-KR" dirty="0">
                 <a:latin typeface="배달의민족 도현" pitchFamily="50" charset="-127"/>
                 <a:ea typeface="배달의민족 도현" pitchFamily="50" charset="-127"/>
               </a:rPr>
               <a:t>TART</a:t>
             </a:r>
             <a:r>
-              <a:rPr lang="en-US" altLang="ko-KR" dirty="0" smtClean="0">
+              <a:rPr lang="en-US" altLang="ko-KR" dirty="0">
                 <a:solidFill>
                   <a:schemeClr val="accent5"/>
                 </a:solidFill>
@@ -9567,7 +9272,7 @@
               <a:t>C</a:t>
             </a:r>
             <a:r>
-              <a:rPr lang="en-US" altLang="ko-KR" dirty="0" smtClean="0">
+              <a:rPr lang="en-US" altLang="ko-KR" dirty="0">
                 <a:latin typeface="배달의민족 도현" pitchFamily="50" charset="-127"/>
                 <a:ea typeface="배달의민족 도현" pitchFamily="50" charset="-127"/>
               </a:rPr>
@@ -10030,14 +9735,14 @@
           <a:lstStyle/>
           <a:p>
             <a:r>
-              <a:rPr lang="ko-KR" altLang="en-US" dirty="0" err="1" smtClean="0">
+              <a:rPr lang="ko-KR" altLang="en-US" dirty="0" err="1">
                 <a:latin typeface="배달의민족 주아" pitchFamily="18" charset="-127"/>
                 <a:ea typeface="배달의민족 주아" pitchFamily="18" charset="-127"/>
               </a:rPr>
               <a:t>파이썬</a:t>
             </a:r>
             <a:r>
-              <a:rPr lang="en-US" altLang="ko-KR" dirty="0" smtClean="0">
+              <a:rPr lang="en-US" altLang="ko-KR" dirty="0">
                 <a:latin typeface="배달의민족 주아" pitchFamily="18" charset="-127"/>
                 <a:ea typeface="배달의민족 주아" pitchFamily="18" charset="-127"/>
               </a:rPr>
@@ -10073,7 +9778,7 @@
           <a:lstStyle/>
           <a:p>
             <a:r>
-              <a:rPr lang="en-US" altLang="ko-KR" dirty="0" smtClean="0">
+              <a:rPr lang="en-US" altLang="ko-KR" dirty="0">
                 <a:solidFill>
                   <a:schemeClr val="accent5"/>
                 </a:solidFill>
@@ -10083,14 +9788,14 @@
               <a:t>S</a:t>
             </a:r>
             <a:r>
-              <a:rPr lang="en-US" altLang="ko-KR" dirty="0" smtClean="0">
+              <a:rPr lang="en-US" altLang="ko-KR" dirty="0">
                 <a:latin typeface="배달의민족 도현" pitchFamily="50" charset="-127"/>
                 <a:ea typeface="배달의민족 도현" pitchFamily="50" charset="-127"/>
               </a:rPr>
               <a:t>TART</a:t>
             </a:r>
             <a:r>
-              <a:rPr lang="en-US" altLang="ko-KR" dirty="0" smtClean="0">
+              <a:rPr lang="en-US" altLang="ko-KR" dirty="0">
                 <a:solidFill>
                   <a:schemeClr val="accent5"/>
                 </a:solidFill>
@@ -10100,7 +9805,7 @@
               <a:t>C</a:t>
             </a:r>
             <a:r>
-              <a:rPr lang="en-US" altLang="ko-KR" dirty="0" smtClean="0">
+              <a:rPr lang="en-US" altLang="ko-KR" dirty="0">
                 <a:latin typeface="배달의민족 도현" pitchFamily="50" charset="-127"/>
                 <a:ea typeface="배달의민족 도현" pitchFamily="50" charset="-127"/>
               </a:rPr>
@@ -10135,32 +9840,25 @@
           <a:lstStyle/>
           <a:p>
             <a:r>
-              <a:rPr lang="en-US" altLang="ko-KR" dirty="0" smtClean="0">
+              <a:rPr lang="en-US" altLang="ko-KR" dirty="0">
                 <a:latin typeface="배달의민족 주아" pitchFamily="18" charset="-127"/>
                 <a:ea typeface="배달의민족 주아" pitchFamily="18" charset="-127"/>
               </a:rPr>
               <a:t>2. </a:t>
             </a:r>
             <a:r>
-              <a:rPr lang="ko-KR" altLang="en-US" dirty="0" err="1" smtClean="0">
+              <a:rPr lang="ko-KR" altLang="en-US" dirty="0" err="1">
                 <a:latin typeface="배달의민족 주아" pitchFamily="18" charset="-127"/>
                 <a:ea typeface="배달의민족 주아" pitchFamily="18" charset="-127"/>
               </a:rPr>
               <a:t>파이썬이란</a:t>
             </a:r>
             <a:r>
-              <a:rPr lang="ko-KR" altLang="en-US" dirty="0" smtClean="0">
-                <a:latin typeface="배달의민족 주아" pitchFamily="18" charset="-127"/>
-                <a:ea typeface="배달의민족 주아" pitchFamily="18" charset="-127"/>
-              </a:rPr>
-              <a:t> </a:t>
-            </a:r>
-            <a:r>
               <a:rPr lang="ko-KR" altLang="en-US" dirty="0">
                 <a:latin typeface="배달의민족 주아" pitchFamily="18" charset="-127"/>
                 <a:ea typeface="배달의민족 주아" pitchFamily="18" charset="-127"/>
               </a:rPr>
-              <a:t>무엇인가</a:t>
+              <a:t> 무엇인가</a:t>
             </a:r>
             <a:r>
               <a:rPr lang="en-US" altLang="ko-KR" dirty="0">
